--- a/asset/Learn/ITA-CICD_for_IaC_practice_en.pptx
+++ b/asset/Learn/ITA-CICD_for_IaC_practice_en.pptx
@@ -322,7 +322,7 @@
               <a:rPr kumimoji="1" lang="ja-JP" altLang="en-US" smtClean="0">
                 <a:ea typeface="メイリオ" panose="020B0604030504040204" pitchFamily="50" charset="-128"/>
               </a:rPr>
-              <a:t>2021/12/9</a:t>
+              <a:t>2022/1/25</a:t>
             </a:fld>
             <a:endParaRPr kumimoji="1" lang="ja-JP" altLang="en-US" dirty="0">
               <a:ea typeface="メイリオ" panose="020B0604030504040204" pitchFamily="50" charset="-128"/>
@@ -468,7 +468,7 @@
             <a:fld id="{4B26993D-C081-44EB-B0F5-A9F467792B62}" type="datetimeFigureOut">
               <a:rPr lang="ja-JP" altLang="en-US" smtClean="0"/>
               <a:pPr/>
-              <a:t>2021/12/9</a:t>
+              <a:t>2022/1/25</a:t>
             </a:fld>
             <a:endParaRPr lang="ja-JP" altLang="en-US" dirty="0"/>
           </a:p>
@@ -1072,7 +1072,7 @@
           <a:p>
             <a:fld id="{56F9016B-CCA6-43BE-8BEE-59565A35F4F7}" type="datetimeFigureOut">
               <a:rPr kumimoji="1" lang="ja-JP" altLang="en-US" smtClean="0"/>
-              <a:t>2021/12/9</a:t>
+              <a:t>2022/1/25</a:t>
             </a:fld>
             <a:endParaRPr kumimoji="1" lang="ja-JP" altLang="en-US"/>
           </a:p>
@@ -1272,7 +1272,7 @@
           <a:p>
             <a:fld id="{56F9016B-CCA6-43BE-8BEE-59565A35F4F7}" type="datetimeFigureOut">
               <a:rPr kumimoji="1" lang="ja-JP" altLang="en-US" smtClean="0"/>
-              <a:t>2021/12/9</a:t>
+              <a:t>2022/1/25</a:t>
             </a:fld>
             <a:endParaRPr kumimoji="1" lang="ja-JP" altLang="en-US"/>
           </a:p>
@@ -1517,7 +1517,7 @@
           <a:p>
             <a:fld id="{56F9016B-CCA6-43BE-8BEE-59565A35F4F7}" type="datetimeFigureOut">
               <a:rPr kumimoji="1" lang="ja-JP" altLang="en-US" smtClean="0"/>
-              <a:t>2021/12/9</a:t>
+              <a:t>2022/1/25</a:t>
             </a:fld>
             <a:endParaRPr kumimoji="1" lang="ja-JP" altLang="en-US"/>
           </a:p>
@@ -1810,7 +1810,7 @@
           <a:p>
             <a:fld id="{56F9016B-CCA6-43BE-8BEE-59565A35F4F7}" type="datetimeFigureOut">
               <a:rPr kumimoji="1" lang="ja-JP" altLang="en-US" smtClean="0"/>
-              <a:t>2021/12/9</a:t>
+              <a:t>2022/1/25</a:t>
             </a:fld>
             <a:endParaRPr kumimoji="1" lang="ja-JP" altLang="en-US"/>
           </a:p>
@@ -2238,7 +2238,7 @@
           <a:p>
             <a:fld id="{56F9016B-CCA6-43BE-8BEE-59565A35F4F7}" type="datetimeFigureOut">
               <a:rPr kumimoji="1" lang="ja-JP" altLang="en-US" smtClean="0"/>
-              <a:t>2021/12/9</a:t>
+              <a:t>2022/1/25</a:t>
             </a:fld>
             <a:endParaRPr kumimoji="1" lang="ja-JP" altLang="en-US"/>
           </a:p>
@@ -2355,7 +2355,7 @@
           <a:p>
             <a:fld id="{56F9016B-CCA6-43BE-8BEE-59565A35F4F7}" type="datetimeFigureOut">
               <a:rPr kumimoji="1" lang="ja-JP" altLang="en-US" smtClean="0"/>
-              <a:t>2021/12/9</a:t>
+              <a:t>2022/1/25</a:t>
             </a:fld>
             <a:endParaRPr kumimoji="1" lang="ja-JP" altLang="en-US"/>
           </a:p>
@@ -2450,7 +2450,7 @@
           <a:p>
             <a:fld id="{56F9016B-CCA6-43BE-8BEE-59565A35F4F7}" type="datetimeFigureOut">
               <a:rPr kumimoji="1" lang="ja-JP" altLang="en-US" smtClean="0"/>
-              <a:t>2021/12/9</a:t>
+              <a:t>2022/1/25</a:t>
             </a:fld>
             <a:endParaRPr kumimoji="1" lang="ja-JP" altLang="en-US"/>
           </a:p>
@@ -2757,7 +2757,7 @@
           <a:p>
             <a:fld id="{56F9016B-CCA6-43BE-8BEE-59565A35F4F7}" type="datetimeFigureOut">
               <a:rPr kumimoji="1" lang="ja-JP" altLang="en-US" smtClean="0"/>
-              <a:t>2021/12/9</a:t>
+              <a:t>2022/1/25</a:t>
             </a:fld>
             <a:endParaRPr kumimoji="1" lang="ja-JP" altLang="en-US"/>
           </a:p>
@@ -3009,7 +3009,7 @@
           <a:p>
             <a:fld id="{56F9016B-CCA6-43BE-8BEE-59565A35F4F7}" type="datetimeFigureOut">
               <a:rPr kumimoji="1" lang="ja-JP" altLang="en-US" smtClean="0"/>
-              <a:t>2021/12/9</a:t>
+              <a:t>2022/1/25</a:t>
             </a:fld>
             <a:endParaRPr kumimoji="1" lang="ja-JP" altLang="en-US"/>
           </a:p>
@@ -3276,7 +3276,7 @@
           <a:p>
             <a:fld id="{56F9016B-CCA6-43BE-8BEE-59565A35F4F7}" type="datetimeFigureOut">
               <a:rPr kumimoji="1" lang="ja-JP" altLang="en-US" smtClean="0"/>
-              <a:t>2021/12/9</a:t>
+              <a:t>2022/1/25</a:t>
             </a:fld>
             <a:endParaRPr kumimoji="1" lang="ja-JP" altLang="en-US"/>
           </a:p>
@@ -3486,7 +3486,7 @@
           <a:p>
             <a:fld id="{56F9016B-CCA6-43BE-8BEE-59565A35F4F7}" type="datetimeFigureOut">
               <a:rPr kumimoji="1" lang="ja-JP" altLang="en-US" smtClean="0"/>
-              <a:t>2021/12/9</a:t>
+              <a:t>2022/1/25</a:t>
             </a:fld>
             <a:endParaRPr kumimoji="1" lang="ja-JP" altLang="en-US"/>
           </a:p>
@@ -6478,7 +6478,7 @@
           <a:p>
             <a:fld id="{56F9016B-CCA6-43BE-8BEE-59565A35F4F7}" type="datetimeFigureOut">
               <a:rPr kumimoji="1" lang="ja-JP" altLang="en-US" smtClean="0"/>
-              <a:t>2021/12/9</a:t>
+              <a:t>2022/1/25</a:t>
             </a:fld>
             <a:endParaRPr kumimoji="1" lang="ja-JP" altLang="en-US"/>
           </a:p>
@@ -6913,7 +6913,7 @@
             </a:r>
             <a:r>
               <a:rPr lang="en-US" altLang="ja-JP" dirty="0" smtClean="0"/>
-              <a:t>1.8</a:t>
+              <a:t>1.9.0</a:t>
             </a:r>
             <a:endParaRPr lang="en-US" altLang="ja-JP" dirty="0"/>
           </a:p>
@@ -7471,7 +7471,7 @@
       </p:grpSpPr>
       <p:pic>
         <p:nvPicPr>
-          <p:cNvPr id="10" name="図 9"/>
+          <p:cNvPr id="4" name="図 3"/>
           <p:cNvPicPr>
             <a:picLocks noChangeAspect="1"/>
           </p:cNvPicPr>
@@ -7485,8 +7485,8 @@
         </p:blipFill>
         <p:spPr>
           <a:xfrm>
-            <a:off x="179513" y="2022374"/>
-            <a:ext cx="8717785" cy="2931690"/>
+            <a:off x="214864" y="2020070"/>
+            <a:ext cx="8617918" cy="4227488"/>
           </a:xfrm>
           <a:prstGeom prst="rect">
             <a:avLst/>
@@ -7525,15 +7525,7 @@
             <a:pPr lvl="1"/>
             <a:r>
               <a:rPr lang="en-US" altLang="ja-JP" dirty="0" smtClean="0"/>
-              <a:t>In this step, we will register the information of the GitHub account we prepared </a:t>
-            </a:r>
-            <a:r>
-              <a:rPr lang="en-US" altLang="ja-JP" dirty="0" smtClean="0"/>
-              <a:t>earlier. In </a:t>
-            </a:r>
-            <a:r>
-              <a:rPr lang="en-US" altLang="ja-JP" dirty="0" smtClean="0"/>
-              <a:t>ITA, go to the “CI/CD for IaC” menu and click “Remote repository”. Follow the table below and register a new item.</a:t>
+              <a:t>In this step, we will register the information of the GitHub account we prepared earlier. In ITA, go to the “CI/CD for IaC” menu and click “Remote repository”. Follow the table below and register a new item.</a:t>
             </a:r>
           </a:p>
         </p:txBody>
@@ -7625,8 +7617,8 @@
         </p:nvSpPr>
         <p:spPr bwMode="auto">
           <a:xfrm>
-            <a:off x="132036" y="3028308"/>
-            <a:ext cx="1062708" cy="288040"/>
+            <a:off x="179513" y="2757383"/>
+            <a:ext cx="863997" cy="167547"/>
           </a:xfrm>
           <a:prstGeom prst="roundRect">
             <a:avLst>
@@ -7669,8 +7661,8 @@
         </p:nvSpPr>
         <p:spPr bwMode="auto">
           <a:xfrm>
-            <a:off x="1271732" y="3566925"/>
-            <a:ext cx="7561050" cy="844154"/>
+            <a:off x="1187530" y="3356990"/>
+            <a:ext cx="7489040" cy="792110"/>
           </a:xfrm>
           <a:prstGeom prst="roundRect">
             <a:avLst>
@@ -7713,8 +7705,8 @@
         </p:nvSpPr>
         <p:spPr bwMode="auto">
           <a:xfrm>
-            <a:off x="2249392" y="4587256"/>
-            <a:ext cx="1296180" cy="297687"/>
+            <a:off x="2123660" y="4273838"/>
+            <a:ext cx="936130" cy="235311"/>
           </a:xfrm>
           <a:prstGeom prst="roundRect">
             <a:avLst>
@@ -10159,19 +10151,7 @@
                           <a:ea typeface="+mn-ea"/>
                           <a:cs typeface="+mn-cs"/>
                         </a:rPr>
-                        <a:t>Execution </a:t>
-                      </a:r>
-                      <a:r>
-                        <a:rPr kumimoji="1" lang="en-US" altLang="ja-JP" sz="1100" b="1" i="0" kern="1200" dirty="0" smtClean="0">
-                          <a:solidFill>
-                            <a:schemeClr val="lt1"/>
-                          </a:solidFill>
-                          <a:effectLst/>
-                          <a:latin typeface="+mn-lt"/>
-                          <a:ea typeface="+mn-ea"/>
-                          <a:cs typeface="+mn-cs"/>
-                        </a:rPr>
-                        <a:t>login ID</a:t>
+                        <a:t>Execution login ID</a:t>
                       </a:r>
                     </a:p>
                   </a:txBody>
@@ -13628,10 +13608,6 @@
               </a:rPr>
               <a:t>Scenario</a:t>
             </a:r>
-            <a:endParaRPr lang="en-US" altLang="ja-JP" sz="1700" dirty="0" smtClean="0">
-              <a:latin typeface="Meiryo UI" panose="020B0604030504040204" pitchFamily="50" charset="-128"/>
-              <a:ea typeface="Meiryo UI" panose="020B0604030504040204" pitchFamily="50" charset="-128"/>
-            </a:endParaRPr>
           </a:p>
           <a:p>
             <a:pPr lvl="1"/>
@@ -13973,15 +13949,7 @@
             </a:br>
             <a:r>
               <a:rPr lang="en-US" altLang="ja-JP" dirty="0" smtClean="0"/>
-              <a:t>Executing any operation will move the user to a screen where they can see the status of the running operation. If the operation status says “</a:t>
-            </a:r>
-            <a:r>
-              <a:rPr lang="en-US" altLang="ja-JP" dirty="0" smtClean="0"/>
-              <a:t>Completed”, </a:t>
-            </a:r>
-            <a:r>
-              <a:rPr lang="en-US" altLang="ja-JP" dirty="0" smtClean="0"/>
-              <a:t>the operation has ended successfully.</a:t>
+              <a:t>Executing any operation will move the user to a screen where they can see the status of the running operation. If the operation status says “Completed”, the operation has ended successfully.</a:t>
             </a:r>
           </a:p>
           <a:p>
@@ -14741,7 +14709,7 @@
                   <a:schemeClr val="bg1"/>
                 </a:solidFill>
               </a:rPr>
-              <a:t>1.8</a:t>
+              <a:t>1.9</a:t>
             </a:r>
             <a:endParaRPr kumimoji="1" lang="ja-JP" altLang="en-US" sz="1100" b="1" dirty="0">
               <a:solidFill>
@@ -15562,7 +15530,7 @@
             </a:r>
             <a:r>
               <a:rPr lang="en-US" altLang="ja-JP" dirty="0" smtClean="0"/>
-              <a:t>1.8</a:t>
+              <a:t>1.9</a:t>
             </a:r>
             <a:endParaRPr lang="en-US" altLang="ja-JP" dirty="0"/>
           </a:p>

--- a/asset/Learn/ITA-CICD_for_IaC_practice_en.pptx
+++ b/asset/Learn/ITA-CICD_for_IaC_practice_en.pptx
@@ -322,7 +322,7 @@
               <a:rPr kumimoji="1" lang="ja-JP" altLang="en-US" smtClean="0">
                 <a:ea typeface="メイリオ" panose="020B0604030504040204" pitchFamily="50" charset="-128"/>
               </a:rPr>
-              <a:t>2022/1/25</a:t>
+              <a:t>2022/6/29</a:t>
             </a:fld>
             <a:endParaRPr kumimoji="1" lang="ja-JP" altLang="en-US" dirty="0">
               <a:ea typeface="メイリオ" panose="020B0604030504040204" pitchFamily="50" charset="-128"/>
@@ -468,7 +468,7 @@
             <a:fld id="{4B26993D-C081-44EB-B0F5-A9F467792B62}" type="datetimeFigureOut">
               <a:rPr lang="ja-JP" altLang="en-US" smtClean="0"/>
               <a:pPr/>
-              <a:t>2022/1/25</a:t>
+              <a:t>2022/6/29</a:t>
             </a:fld>
             <a:endParaRPr lang="ja-JP" altLang="en-US" dirty="0"/>
           </a:p>
@@ -1072,7 +1072,7 @@
           <a:p>
             <a:fld id="{56F9016B-CCA6-43BE-8BEE-59565A35F4F7}" type="datetimeFigureOut">
               <a:rPr kumimoji="1" lang="ja-JP" altLang="en-US" smtClean="0"/>
-              <a:t>2022/1/25</a:t>
+              <a:t>2022/6/29</a:t>
             </a:fld>
             <a:endParaRPr kumimoji="1" lang="ja-JP" altLang="en-US"/>
           </a:p>
@@ -1272,7 +1272,7 @@
           <a:p>
             <a:fld id="{56F9016B-CCA6-43BE-8BEE-59565A35F4F7}" type="datetimeFigureOut">
               <a:rPr kumimoji="1" lang="ja-JP" altLang="en-US" smtClean="0"/>
-              <a:t>2022/1/25</a:t>
+              <a:t>2022/6/29</a:t>
             </a:fld>
             <a:endParaRPr kumimoji="1" lang="ja-JP" altLang="en-US"/>
           </a:p>
@@ -1517,7 +1517,7 @@
           <a:p>
             <a:fld id="{56F9016B-CCA6-43BE-8BEE-59565A35F4F7}" type="datetimeFigureOut">
               <a:rPr kumimoji="1" lang="ja-JP" altLang="en-US" smtClean="0"/>
-              <a:t>2022/1/25</a:t>
+              <a:t>2022/6/29</a:t>
             </a:fld>
             <a:endParaRPr kumimoji="1" lang="ja-JP" altLang="en-US"/>
           </a:p>
@@ -1810,7 +1810,7 @@
           <a:p>
             <a:fld id="{56F9016B-CCA6-43BE-8BEE-59565A35F4F7}" type="datetimeFigureOut">
               <a:rPr kumimoji="1" lang="ja-JP" altLang="en-US" smtClean="0"/>
-              <a:t>2022/1/25</a:t>
+              <a:t>2022/6/29</a:t>
             </a:fld>
             <a:endParaRPr kumimoji="1" lang="ja-JP" altLang="en-US"/>
           </a:p>
@@ -2238,7 +2238,7 @@
           <a:p>
             <a:fld id="{56F9016B-CCA6-43BE-8BEE-59565A35F4F7}" type="datetimeFigureOut">
               <a:rPr kumimoji="1" lang="ja-JP" altLang="en-US" smtClean="0"/>
-              <a:t>2022/1/25</a:t>
+              <a:t>2022/6/29</a:t>
             </a:fld>
             <a:endParaRPr kumimoji="1" lang="ja-JP" altLang="en-US"/>
           </a:p>
@@ -2355,7 +2355,7 @@
           <a:p>
             <a:fld id="{56F9016B-CCA6-43BE-8BEE-59565A35F4F7}" type="datetimeFigureOut">
               <a:rPr kumimoji="1" lang="ja-JP" altLang="en-US" smtClean="0"/>
-              <a:t>2022/1/25</a:t>
+              <a:t>2022/6/29</a:t>
             </a:fld>
             <a:endParaRPr kumimoji="1" lang="ja-JP" altLang="en-US"/>
           </a:p>
@@ -2450,7 +2450,7 @@
           <a:p>
             <a:fld id="{56F9016B-CCA6-43BE-8BEE-59565A35F4F7}" type="datetimeFigureOut">
               <a:rPr kumimoji="1" lang="ja-JP" altLang="en-US" smtClean="0"/>
-              <a:t>2022/1/25</a:t>
+              <a:t>2022/6/29</a:t>
             </a:fld>
             <a:endParaRPr kumimoji="1" lang="ja-JP" altLang="en-US"/>
           </a:p>
@@ -2757,7 +2757,7 @@
           <a:p>
             <a:fld id="{56F9016B-CCA6-43BE-8BEE-59565A35F4F7}" type="datetimeFigureOut">
               <a:rPr kumimoji="1" lang="ja-JP" altLang="en-US" smtClean="0"/>
-              <a:t>2022/1/25</a:t>
+              <a:t>2022/6/29</a:t>
             </a:fld>
             <a:endParaRPr kumimoji="1" lang="ja-JP" altLang="en-US"/>
           </a:p>
@@ -3009,7 +3009,7 @@
           <a:p>
             <a:fld id="{56F9016B-CCA6-43BE-8BEE-59565A35F4F7}" type="datetimeFigureOut">
               <a:rPr kumimoji="1" lang="ja-JP" altLang="en-US" smtClean="0"/>
-              <a:t>2022/1/25</a:t>
+              <a:t>2022/6/29</a:t>
             </a:fld>
             <a:endParaRPr kumimoji="1" lang="ja-JP" altLang="en-US"/>
           </a:p>
@@ -3276,7 +3276,7 @@
           <a:p>
             <a:fld id="{56F9016B-CCA6-43BE-8BEE-59565A35F4F7}" type="datetimeFigureOut">
               <a:rPr kumimoji="1" lang="ja-JP" altLang="en-US" smtClean="0"/>
-              <a:t>2022/1/25</a:t>
+              <a:t>2022/6/29</a:t>
             </a:fld>
             <a:endParaRPr kumimoji="1" lang="ja-JP" altLang="en-US"/>
           </a:p>
@@ -3486,7 +3486,7 @@
           <a:p>
             <a:fld id="{56F9016B-CCA6-43BE-8BEE-59565A35F4F7}" type="datetimeFigureOut">
               <a:rPr kumimoji="1" lang="ja-JP" altLang="en-US" smtClean="0"/>
-              <a:t>2022/1/25</a:t>
+              <a:t>2022/6/29</a:t>
             </a:fld>
             <a:endParaRPr kumimoji="1" lang="ja-JP" altLang="en-US"/>
           </a:p>
@@ -6478,7 +6478,7 @@
           <a:p>
             <a:fld id="{56F9016B-CCA6-43BE-8BEE-59565A35F4F7}" type="datetimeFigureOut">
               <a:rPr kumimoji="1" lang="ja-JP" altLang="en-US" smtClean="0"/>
-              <a:t>2022/1/25</a:t>
+              <a:t>2022/6/29</a:t>
             </a:fld>
             <a:endParaRPr kumimoji="1" lang="ja-JP" altLang="en-US"/>
           </a:p>
@@ -6904,16 +6904,12 @@
           <a:lstStyle/>
           <a:p>
             <a:r>
-              <a:rPr lang="en-US" altLang="ja-JP" dirty="0" err="1"/>
-              <a:t>Exastro</a:t>
-            </a:r>
-            <a:r>
               <a:rPr lang="en-US" altLang="ja-JP" dirty="0"/>
-              <a:t> IT Automation Version </a:t>
+              <a:t>Exastro IT Automation Version </a:t>
             </a:r>
             <a:r>
               <a:rPr lang="en-US" altLang="ja-JP" dirty="0" smtClean="0"/>
-              <a:t>1.9.0</a:t>
+              <a:t>1.10.0</a:t>
             </a:r>
             <a:endParaRPr lang="en-US" altLang="ja-JP" dirty="0"/>
           </a:p>
@@ -12004,8 +12000,8 @@
         </p:nvSpPr>
         <p:spPr bwMode="auto">
           <a:xfrm>
-            <a:off x="323410" y="4813536"/>
-            <a:ext cx="1080150" cy="251146"/>
+            <a:off x="337611" y="4869200"/>
+            <a:ext cx="1080150" cy="288040"/>
           </a:xfrm>
           <a:prstGeom prst="roundRect">
             <a:avLst>
@@ -14328,10 +14324,11 @@
               <a:t>This document requires the reader to have finished the scenario in the  “</a:t>
             </a:r>
             <a:r>
-              <a:rPr lang="en-US" altLang="ja-JP" dirty="0" err="1" smtClean="0">
+              <a:rPr lang="en-US" altLang="ja-JP" dirty="0" smtClean="0">
                 <a:solidFill>
                   <a:srgbClr val="FF0000"/>
                 </a:solidFill>
+                <a:hlinkClick r:id="rId3"/>
               </a:rPr>
               <a:t>Quickstart</a:t>
             </a:r>
@@ -14487,15 +14484,13 @@
             <a:pPr lvl="1"/>
             <a:r>
               <a:rPr lang="en-US" altLang="ja-JP" dirty="0" smtClean="0"/>
-              <a:t>The environment used in this document is as follows.</a:t>
-            </a:r>
-          </a:p>
-          <a:p>
-            <a:pPr lvl="1"/>
+              <a:t>The environment used in this document is as follows</a:t>
+            </a:r>
             <a:r>
               <a:rPr lang="en-US" altLang="ja-JP" dirty="0" smtClean="0"/>
-              <a:t>The user must have a GitHub account in addition to the ITA server and the Target server.</a:t>
-            </a:r>
+              <a:t>.</a:t>
+            </a:r>
+            <a:endParaRPr lang="en-US" altLang="ja-JP" dirty="0" smtClean="0"/>
           </a:p>
         </p:txBody>
       </p:sp>
@@ -14542,7 +14537,7 @@
         </p:nvSpPr>
         <p:spPr bwMode="auto">
           <a:xfrm>
-            <a:off x="2681420" y="2567651"/>
+            <a:off x="2627730" y="1685355"/>
             <a:ext cx="3586873" cy="1596552"/>
           </a:xfrm>
           <a:prstGeom prst="rect">
@@ -14634,7 +14629,7 @@
         </p:nvSpPr>
         <p:spPr>
           <a:xfrm>
-            <a:off x="2990506" y="2986144"/>
+            <a:off x="2936816" y="2103848"/>
             <a:ext cx="1286926" cy="1050901"/>
           </a:xfrm>
           <a:prstGeom prst="rect">
@@ -14709,7 +14704,7 @@
                   <a:schemeClr val="bg1"/>
                 </a:solidFill>
               </a:rPr>
-              <a:t>1.9</a:t>
+              <a:t>V1.10</a:t>
             </a:r>
             <a:endParaRPr kumimoji="1" lang="ja-JP" altLang="en-US" sz="1100" b="1" dirty="0">
               <a:solidFill>
@@ -14727,7 +14722,7 @@
         </p:nvSpPr>
         <p:spPr>
           <a:xfrm>
-            <a:off x="4724077" y="2986144"/>
+            <a:off x="4670387" y="2103848"/>
             <a:ext cx="1230984" cy="1050900"/>
           </a:xfrm>
           <a:prstGeom prst="rect">
@@ -14762,19 +14757,43 @@
           <a:p>
             <a:pPr algn="ctr"/>
             <a:r>
-              <a:rPr kumimoji="1" lang="en-US" altLang="ja-JP" sz="1100" b="1" dirty="0" err="1" smtClean="0">
+              <a:rPr kumimoji="1" lang="en-US" altLang="ja-JP" sz="1100" b="1" dirty="0" smtClean="0">
                 <a:solidFill>
                   <a:schemeClr val="bg1"/>
                 </a:solidFill>
               </a:rPr>
               <a:t>Ansible</a:t>
             </a:r>
-            <a:endParaRPr kumimoji="1" lang="ja-JP" altLang="en-US" sz="1100" b="1" dirty="0">
+            <a:endParaRPr lang="en-US" altLang="ja-JP" sz="1100" b="1" dirty="0" smtClean="0">
               <a:solidFill>
                 <a:schemeClr val="bg1"/>
               </a:solidFill>
             </a:endParaRPr>
           </a:p>
+          <a:p>
+            <a:pPr algn="ctr"/>
+            <a:r>
+              <a:rPr lang="en-US" altLang="ja-JP" sz="1100" b="1" dirty="0">
+                <a:solidFill>
+                  <a:schemeClr val="bg1"/>
+                </a:solidFill>
+              </a:rPr>
+              <a:t>v</a:t>
+            </a:r>
+            <a:r>
+              <a:rPr lang="en-US" altLang="ja-JP" sz="1100" b="1" dirty="0" smtClean="0">
+                <a:solidFill>
+                  <a:schemeClr val="bg1"/>
+                </a:solidFill>
+              </a:rPr>
+              <a:t>2.11.7</a:t>
+            </a:r>
+            <a:endParaRPr lang="ja-JP" altLang="en-US" sz="1100" b="1" dirty="0">
+              <a:solidFill>
+                <a:schemeClr val="bg1"/>
+              </a:solidFill>
+            </a:endParaRPr>
+          </a:p>
         </p:txBody>
       </p:sp>
       <p:sp>
@@ -14785,7 +14804,7 @@
         </p:nvSpPr>
         <p:spPr bwMode="auto">
           <a:xfrm>
-            <a:off x="6371860" y="2565075"/>
+            <a:off x="6318170" y="1682779"/>
             <a:ext cx="1696558" cy="1596552"/>
           </a:xfrm>
           <a:prstGeom prst="rect">
@@ -14852,7 +14871,7 @@
         </p:nvGrpSpPr>
         <p:grpSpPr bwMode="gray">
           <a:xfrm>
-            <a:off x="856703" y="3162409"/>
+            <a:off x="803013" y="2280113"/>
             <a:ext cx="961136" cy="634348"/>
             <a:chOff x="2385390" y="1237172"/>
             <a:chExt cx="1111251" cy="733425"/>
@@ -15352,7 +15371,7 @@
         </p:nvCxnSpPr>
         <p:spPr bwMode="auto">
           <a:xfrm>
-            <a:off x="1761307" y="3501422"/>
+            <a:off x="1707617" y="2619126"/>
             <a:ext cx="1229199" cy="1"/>
           </a:xfrm>
           <a:prstGeom prst="straightConnector1">
@@ -15388,7 +15407,7 @@
         </p:nvSpPr>
         <p:spPr>
           <a:xfrm>
-            <a:off x="668711" y="2908930"/>
+            <a:off x="615021" y="2026634"/>
             <a:ext cx="1339566" cy="261610"/>
           </a:xfrm>
           <a:prstGeom prst="rect">
@@ -15424,7 +15443,7 @@
         </p:nvCxnSpPr>
         <p:spPr bwMode="auto">
           <a:xfrm flipV="1">
-            <a:off x="5955061" y="3511592"/>
+            <a:off x="5901371" y="2629296"/>
             <a:ext cx="833598" cy="2"/>
           </a:xfrm>
           <a:prstGeom prst="straightConnector1">
@@ -15483,7 +15502,7 @@
         </p:blipFill>
         <p:spPr>
           <a:xfrm>
-            <a:off x="6894758" y="3151671"/>
+            <a:off x="6841068" y="2269375"/>
             <a:ext cx="655825" cy="655825"/>
           </a:xfrm>
           <a:prstGeom prst="rect">
@@ -15495,73 +15514,6 @@
           </a:ln>
         </p:spPr>
       </p:pic>
-      <p:sp>
-        <p:nvSpPr>
-          <p:cNvPr id="26" name="正方形/長方形 25"/>
-          <p:cNvSpPr/>
-          <p:nvPr/>
-        </p:nvSpPr>
-        <p:spPr>
-          <a:xfrm>
-            <a:off x="395420" y="4519320"/>
-            <a:ext cx="4572000" cy="923330"/>
-          </a:xfrm>
-          <a:prstGeom prst="rect">
-            <a:avLst/>
-          </a:prstGeom>
-        </p:spPr>
-        <p:txBody>
-          <a:bodyPr>
-            <a:spAutoFit/>
-          </a:bodyPr>
-          <a:lstStyle/>
-          <a:p>
-            <a:pPr marL="285750" indent="-285750">
-              <a:buFont typeface="Arial" panose="020B0604020202020204" pitchFamily="34" charset="0"/>
-              <a:buChar char="•"/>
-            </a:pPr>
-            <a:r>
-              <a:rPr lang="en-US" altLang="ja-JP" dirty="0" err="1"/>
-              <a:t>Exastro</a:t>
-            </a:r>
-            <a:r>
-              <a:rPr lang="en-US" altLang="ja-JP" dirty="0"/>
-              <a:t> IT Automation </a:t>
-            </a:r>
-            <a:r>
-              <a:rPr lang="en-US" altLang="ja-JP" dirty="0" smtClean="0"/>
-              <a:t>1.9</a:t>
-            </a:r>
-            <a:endParaRPr lang="en-US" altLang="ja-JP" dirty="0"/>
-          </a:p>
-          <a:p>
-            <a:pPr marL="285750" indent="-285750">
-              <a:buFont typeface="Arial" panose="020B0604020202020204" pitchFamily="34" charset="0"/>
-              <a:buChar char="•"/>
-            </a:pPr>
-            <a:r>
-              <a:rPr lang="en-US" altLang="ja-JP" dirty="0"/>
-              <a:t>CentOS </a:t>
-            </a:r>
-            <a:r>
-              <a:rPr lang="en-US" altLang="ja-JP" dirty="0" smtClean="0"/>
-              <a:t>7(for ITA server)</a:t>
-            </a:r>
-            <a:endParaRPr lang="en-US" altLang="ja-JP" dirty="0"/>
-          </a:p>
-          <a:p>
-            <a:pPr marL="285750" indent="-285750">
-              <a:buFont typeface="Arial" panose="020B0604020202020204" pitchFamily="34" charset="0"/>
-              <a:buChar char="•"/>
-            </a:pPr>
-            <a:r>
-              <a:rPr lang="en-US" altLang="ja-JP" dirty="0" smtClean="0"/>
-              <a:t>CentOS 7(for Target machine)</a:t>
-            </a:r>
-            <a:endParaRPr lang="en-US" altLang="ja-JP" dirty="0"/>
-          </a:p>
-        </p:txBody>
-      </p:sp>
       <p:cxnSp>
         <p:nvCxnSpPr>
           <p:cNvPr id="38" name="直線矢印コネクタ 37"/>
@@ -15572,7 +15524,7 @@
         </p:nvCxnSpPr>
         <p:spPr bwMode="auto">
           <a:xfrm>
-            <a:off x="4274214" y="3511592"/>
+            <a:off x="4220524" y="2629296"/>
             <a:ext cx="449863" cy="2"/>
           </a:xfrm>
           <a:prstGeom prst="straightConnector1">
@@ -15600,6 +15552,230 @@
           <a:extLst/>
         </p:spPr>
       </p:cxnSp>
+      <p:sp>
+        <p:nvSpPr>
+          <p:cNvPr id="18" name="正方形/長方形 17"/>
+          <p:cNvSpPr/>
+          <p:nvPr/>
+        </p:nvSpPr>
+        <p:spPr>
+          <a:xfrm>
+            <a:off x="467430" y="3396652"/>
+            <a:ext cx="7993110" cy="2062103"/>
+          </a:xfrm>
+          <a:prstGeom prst="rect">
+            <a:avLst/>
+          </a:prstGeom>
+          <a:solidFill>
+            <a:schemeClr val="bg1">
+              <a:lumMod val="95000"/>
+            </a:schemeClr>
+          </a:solidFill>
+          <a:ln>
+            <a:solidFill>
+              <a:schemeClr val="tx1">
+                <a:lumMod val="50000"/>
+                <a:lumOff val="50000"/>
+              </a:schemeClr>
+            </a:solidFill>
+          </a:ln>
+        </p:spPr>
+        <p:txBody>
+          <a:bodyPr wrap="square">
+            <a:spAutoFit/>
+          </a:bodyPr>
+          <a:lstStyle/>
+          <a:p>
+            <a:r>
+              <a:rPr lang="en-US" altLang="ja-JP" sz="1600" b="1" u="sng" dirty="0" smtClean="0"/>
+              <a:t>ITA</a:t>
+            </a:r>
+            <a:r>
+              <a:rPr lang="ja-JP" altLang="en-US" sz="1600" b="1" u="sng" dirty="0"/>
+              <a:t> </a:t>
+            </a:r>
+            <a:r>
+              <a:rPr lang="en-US" altLang="ja-JP" sz="1600" b="1" u="sng" dirty="0" smtClean="0"/>
+              <a:t>server</a:t>
+            </a:r>
+            <a:r>
+              <a:rPr lang="en-US" altLang="ja-JP" sz="1600" b="1" dirty="0"/>
+              <a:t/>
+            </a:r>
+            <a:br>
+              <a:rPr lang="en-US" altLang="ja-JP" sz="1600" b="1" dirty="0"/>
+            </a:br>
+            <a:r>
+              <a:rPr lang="ja-JP" altLang="en-US" sz="1600" b="1" dirty="0"/>
+              <a:t>・</a:t>
+            </a:r>
+            <a:r>
+              <a:rPr lang="en-US" altLang="ja-JP" sz="1600" dirty="0"/>
+              <a:t>CentOS </a:t>
+            </a:r>
+            <a:r>
+              <a:rPr lang="en-US" altLang="ja-JP" sz="1600" dirty="0" smtClean="0"/>
+              <a:t>7 (※</a:t>
+            </a:r>
+            <a:r>
+              <a:rPr lang="en-US" altLang="ja-JP" sz="1600" dirty="0"/>
+              <a:t>1</a:t>
+            </a:r>
+            <a:r>
+              <a:rPr lang="en-US" altLang="ja-JP" sz="1600" dirty="0" smtClean="0"/>
+              <a:t>)</a:t>
+            </a:r>
+            <a:r>
+              <a:rPr lang="en-US" altLang="ja-JP" sz="1600" dirty="0"/>
+              <a:t/>
+            </a:r>
+            <a:br>
+              <a:rPr lang="en-US" altLang="ja-JP" sz="1600" dirty="0"/>
+            </a:br>
+            <a:r>
+              <a:rPr lang="ja-JP" altLang="en-US" sz="1600" dirty="0" smtClean="0"/>
+              <a:t>・</a:t>
+            </a:r>
+            <a:r>
+              <a:rPr lang="en-US" altLang="ja-JP" sz="1600" dirty="0" smtClean="0"/>
+              <a:t>Exastro ITA v1.10</a:t>
+            </a:r>
+            <a:r>
+              <a:rPr lang="en-US" altLang="ja-JP" sz="1600" dirty="0"/>
+              <a:t/>
+            </a:r>
+            <a:br>
+              <a:rPr lang="en-US" altLang="ja-JP" sz="1600" dirty="0"/>
+            </a:br>
+            <a:r>
+              <a:rPr lang="en-US" altLang="ja-JP" sz="1600" dirty="0"/>
+              <a:t>・Ansible </a:t>
+            </a:r>
+            <a:r>
+              <a:rPr lang="en-US" altLang="ja-JP" sz="1600" dirty="0" smtClean="0"/>
+              <a:t>2.11.7</a:t>
+            </a:r>
+            <a:r>
+              <a:rPr lang="en-US" altLang="ja-JP" sz="1600" dirty="0"/>
+              <a:t/>
+            </a:r>
+            <a:br>
+              <a:rPr lang="en-US" altLang="ja-JP" sz="1600" dirty="0"/>
+            </a:br>
+            <a:r>
+              <a:rPr lang="en-US" altLang="ja-JP" sz="1600" dirty="0"/>
+              <a:t/>
+            </a:r>
+            <a:br>
+              <a:rPr lang="en-US" altLang="ja-JP" sz="1600" dirty="0"/>
+            </a:br>
+            <a:r>
+              <a:rPr lang="en-US" altLang="ja-JP" sz="1600" b="1" u="sng" dirty="0" smtClean="0"/>
+              <a:t>Target server</a:t>
+            </a:r>
+            <a:r>
+              <a:rPr lang="en-US" altLang="ja-JP" sz="1600" dirty="0"/>
+              <a:t/>
+            </a:r>
+            <a:br>
+              <a:rPr lang="en-US" altLang="ja-JP" sz="1600" dirty="0"/>
+            </a:br>
+            <a:r>
+              <a:rPr lang="ja-JP" altLang="en-US" sz="1600" dirty="0"/>
+              <a:t>・</a:t>
+            </a:r>
+            <a:r>
+              <a:rPr lang="en-US" altLang="ja-JP" sz="1600" dirty="0"/>
+              <a:t>CentOS</a:t>
+            </a:r>
+            <a:r>
+              <a:rPr lang="ja-JP" altLang="en-US" sz="1600" dirty="0"/>
+              <a:t> </a:t>
+            </a:r>
+            <a:r>
+              <a:rPr lang="en-US" altLang="ja-JP" sz="1600" dirty="0" smtClean="0"/>
+              <a:t>7</a:t>
+            </a:r>
+            <a:br>
+              <a:rPr lang="en-US" altLang="ja-JP" sz="1600" dirty="0" smtClean="0"/>
+            </a:br>
+            <a:endParaRPr lang="en-US" altLang="ja-JP" sz="1600" dirty="0"/>
+          </a:p>
+        </p:txBody>
+      </p:sp>
+      <p:sp>
+        <p:nvSpPr>
+          <p:cNvPr id="19" name="テキスト ボックス 18"/>
+          <p:cNvSpPr txBox="1"/>
+          <p:nvPr/>
+        </p:nvSpPr>
+        <p:spPr>
+          <a:xfrm>
+            <a:off x="1706879" y="5229662"/>
+            <a:ext cx="6557515" cy="230832"/>
+          </a:xfrm>
+          <a:prstGeom prst="rect">
+            <a:avLst/>
+          </a:prstGeom>
+          <a:noFill/>
+        </p:spPr>
+        <p:txBody>
+          <a:bodyPr wrap="square" rtlCol="0">
+            <a:spAutoFit/>
+          </a:bodyPr>
+          <a:lstStyle/>
+          <a:p>
+            <a:r>
+              <a:rPr kumimoji="1" lang="en-US" altLang="ja-JP" sz="900" dirty="0" smtClean="0"/>
+              <a:t>※1 </a:t>
+            </a:r>
+            <a:r>
+              <a:rPr kumimoji="1" lang="en-US" altLang="ja-JP" sz="900" dirty="0" smtClean="0"/>
+              <a:t>This guide uses CentOS7 for the Host server, but ITA can run on any RHEL7 and RHEL8 type OS.</a:t>
+            </a:r>
+            <a:endParaRPr kumimoji="1" lang="ja-JP" altLang="en-US" sz="900" dirty="0"/>
+          </a:p>
+        </p:txBody>
+      </p:sp>
+      <p:sp>
+        <p:nvSpPr>
+          <p:cNvPr id="20" name="コンテンツ プレースホルダー 2"/>
+          <p:cNvSpPr>
+            <a:spLocks noGrp="1"/>
+          </p:cNvSpPr>
+          <p:nvPr>
+            <p:ph sz="quarter" idx="10"/>
+          </p:nvPr>
+        </p:nvSpPr>
+        <p:spPr>
+          <a:xfrm>
+            <a:off x="285777" y="5949061"/>
+            <a:ext cx="8677736" cy="510953"/>
+          </a:xfrm>
+        </p:spPr>
+        <p:txBody>
+          <a:bodyPr>
+            <a:normAutofit fontScale="92500"/>
+          </a:bodyPr>
+          <a:lstStyle/>
+          <a:p>
+            <a:pPr lvl="1"/>
+            <a:r>
+              <a:rPr lang="en-US" altLang="ja-JP" dirty="0" smtClean="0">
+                <a:solidFill>
+                  <a:schemeClr val="tx1"/>
+                </a:solidFill>
+              </a:rPr>
+              <a:t>The user will also need a GitHub account in addition to the environment shown above.</a:t>
+            </a:r>
+            <a:endParaRPr lang="en-US" altLang="ja-JP" dirty="0">
+              <a:solidFill>
+                <a:schemeClr val="tx1"/>
+              </a:solidFill>
+            </a:endParaRPr>
+          </a:p>
+        </p:txBody>
+      </p:sp>
     </p:spTree>
     <p:extLst>
       <p:ext uri="{BB962C8B-B14F-4D97-AF65-F5344CB8AC3E}">
@@ -15632,1560 +15808,6 @@
       </p:grpSpPr>
       <p:sp>
         <p:nvSpPr>
-          <p:cNvPr id="136" name="正方形/長方形 135"/>
-          <p:cNvSpPr/>
-          <p:nvPr/>
-        </p:nvSpPr>
-        <p:spPr bwMode="auto">
-          <a:xfrm>
-            <a:off x="3985565" y="1844781"/>
-            <a:ext cx="5030036" cy="3617647"/>
-          </a:xfrm>
-          <a:prstGeom prst="rect">
-            <a:avLst/>
-          </a:prstGeom>
-          <a:solidFill>
-            <a:sysClr val="window" lastClr="FFFFFF"/>
-          </a:solidFill>
-          <a:ln w="38100">
-            <a:solidFill>
-              <a:srgbClr val="002B62"/>
-            </a:solidFill>
-          </a:ln>
-          <a:effectLst/>
-          <a:extLst/>
-        </p:spPr>
-        <p:txBody>
-          <a:bodyPr rot="0" spcFirstLastPara="0" vertOverflow="overflow" horzOverflow="overflow" vert="horz" wrap="square" lIns="68580" tIns="34290" rIns="68580" bIns="34290" numCol="1" spcCol="0" rtlCol="0" fromWordArt="0" anchor="t" anchorCtr="0" forceAA="0" compatLnSpc="1">
-            <a:prstTxWarp prst="textNoShape">
-              <a:avLst/>
-            </a:prstTxWarp>
-            <a:noAutofit/>
-          </a:bodyPr>
-          <a:lstStyle/>
-          <a:p>
-            <a:pPr marL="0" marR="0" lvl="0" indent="0" algn="ctr" defTabSz="685800" eaLnBrk="1" fontAlgn="auto" latinLnBrk="0" hangingPunct="1">
-              <a:lnSpc>
-                <a:spcPct val="100000"/>
-              </a:lnSpc>
-              <a:spcBef>
-                <a:spcPts val="0"/>
-              </a:spcBef>
-              <a:spcAft>
-                <a:spcPts val="0"/>
-              </a:spcAft>
-              <a:buClrTx/>
-              <a:buSzTx/>
-              <a:buFontTx/>
-              <a:buNone/>
-              <a:tabLst/>
-              <a:defRPr/>
-            </a:pPr>
-            <a:endParaRPr kumimoji="0" lang="ja-JP" altLang="en-US" sz="900" b="1" i="0" u="none" strike="noStrike" kern="0" cap="none" spc="0" normalizeH="0" baseline="0" noProof="0" dirty="0">
-              <a:ln>
-                <a:noFill/>
-              </a:ln>
-              <a:solidFill>
-                <a:srgbClr val="002B62"/>
-              </a:solidFill>
-              <a:effectLst/>
-              <a:uLnTx/>
-              <a:uFillTx/>
-              <a:latin typeface="Meiryo UI" panose="020B0604030504040204" pitchFamily="50" charset="-128"/>
-              <a:ea typeface="Meiryo UI" panose="020B0604030504040204" pitchFamily="50" charset="-128"/>
-            </a:endParaRPr>
-          </a:p>
-        </p:txBody>
-      </p:sp>
-      <p:sp>
-        <p:nvSpPr>
-          <p:cNvPr id="137" name="角丸四角形 136"/>
-          <p:cNvSpPr/>
-          <p:nvPr/>
-        </p:nvSpPr>
-        <p:spPr>
-          <a:xfrm>
-            <a:off x="5524650" y="3805883"/>
-            <a:ext cx="1150247" cy="1379615"/>
-          </a:xfrm>
-          <a:prstGeom prst="roundRect">
-            <a:avLst/>
-          </a:prstGeom>
-          <a:noFill/>
-          <a:ln w="38100" cap="flat" cmpd="sng" algn="ctr">
-            <a:solidFill>
-              <a:srgbClr val="002B62"/>
-            </a:solidFill>
-            <a:prstDash val="dash"/>
-            <a:miter lim="800000"/>
-          </a:ln>
-          <a:effectLst/>
-        </p:spPr>
-        <p:txBody>
-          <a:bodyPr rtlCol="0" anchor="b" anchorCtr="0"/>
-          <a:lstStyle/>
-          <a:p>
-            <a:pPr marL="0" marR="0" lvl="0" indent="0" algn="ctr" defTabSz="685800" eaLnBrk="1" fontAlgn="auto" latinLnBrk="0" hangingPunct="1">
-              <a:lnSpc>
-                <a:spcPct val="100000"/>
-              </a:lnSpc>
-              <a:spcBef>
-                <a:spcPts val="0"/>
-              </a:spcBef>
-              <a:spcAft>
-                <a:spcPts val="0"/>
-              </a:spcAft>
-              <a:buClrTx/>
-              <a:buSzTx/>
-              <a:buFontTx/>
-              <a:buNone/>
-              <a:tabLst/>
-              <a:defRPr/>
-            </a:pPr>
-            <a:r>
-              <a:rPr kumimoji="0" lang="en-US" altLang="ja-JP" sz="1000" b="1" kern="0" dirty="0" smtClean="0">
-                <a:solidFill>
-                  <a:srgbClr val="002B62"/>
-                </a:solidFill>
-                <a:latin typeface="Meiryo UI" panose="020B0604030504040204" pitchFamily="50" charset="-128"/>
-                <a:ea typeface="Meiryo UI" panose="020B0604030504040204" pitchFamily="50" charset="-128"/>
-              </a:rPr>
-              <a:t>Link file</a:t>
-            </a:r>
-            <a:endParaRPr kumimoji="0" lang="ja-JP" altLang="en-US" sz="1000" b="1" i="0" u="none" strike="noStrike" kern="0" cap="none" spc="0" normalizeH="0" baseline="0" noProof="0" dirty="0" smtClean="0">
-              <a:ln>
-                <a:noFill/>
-              </a:ln>
-              <a:solidFill>
-                <a:srgbClr val="002B62"/>
-              </a:solidFill>
-              <a:effectLst/>
-              <a:uLnTx/>
-              <a:uFillTx/>
-              <a:latin typeface="Meiryo UI" panose="020B0604030504040204" pitchFamily="50" charset="-128"/>
-              <a:ea typeface="Meiryo UI" panose="020B0604030504040204" pitchFamily="50" charset="-128"/>
-              <a:cs typeface="+mn-cs"/>
-            </a:endParaRPr>
-          </a:p>
-        </p:txBody>
-      </p:sp>
-      <p:sp>
-        <p:nvSpPr>
-          <p:cNvPr id="138" name="テキスト ボックス 137"/>
-          <p:cNvSpPr txBox="1"/>
-          <p:nvPr/>
-        </p:nvSpPr>
-        <p:spPr>
-          <a:xfrm>
-            <a:off x="6386341" y="1945604"/>
-            <a:ext cx="532195" cy="300082"/>
-          </a:xfrm>
-          <a:prstGeom prst="rect">
-            <a:avLst/>
-          </a:prstGeom>
-          <a:noFill/>
-        </p:spPr>
-        <p:txBody>
-          <a:bodyPr wrap="square" rtlCol="0">
-            <a:spAutoFit/>
-          </a:bodyPr>
-          <a:lstStyle/>
-          <a:p>
-            <a:pPr defTabSz="685800"/>
-            <a:r>
-              <a:rPr lang="en-US" altLang="ja-JP" sz="1350" b="1" dirty="0">
-                <a:solidFill>
-                  <a:srgbClr val="002B62"/>
-                </a:solidFill>
-                <a:latin typeface="Meiryo UI" panose="020B0604030504040204" pitchFamily="50" charset="-128"/>
-                <a:ea typeface="Meiryo UI" panose="020B0604030504040204" pitchFamily="50" charset="-128"/>
-              </a:rPr>
-              <a:t>ITA</a:t>
-            </a:r>
-            <a:endParaRPr lang="ja-JP" altLang="en-US" sz="1350" b="1" dirty="0">
-              <a:solidFill>
-                <a:srgbClr val="002B62"/>
-              </a:solidFill>
-              <a:latin typeface="Meiryo UI" panose="020B0604030504040204" pitchFamily="50" charset="-128"/>
-              <a:ea typeface="Meiryo UI" panose="020B0604030504040204" pitchFamily="50" charset="-128"/>
-            </a:endParaRPr>
-          </a:p>
-        </p:txBody>
-      </p:sp>
-      <p:grpSp>
-        <p:nvGrpSpPr>
-          <p:cNvPr id="139" name="グループ化 138"/>
-          <p:cNvGrpSpPr/>
-          <p:nvPr/>
-        </p:nvGrpSpPr>
-        <p:grpSpPr>
-          <a:xfrm>
-            <a:off x="4085912" y="1930480"/>
-            <a:ext cx="973207" cy="923254"/>
-            <a:chOff x="371024" y="1474960"/>
-            <a:chExt cx="2337717" cy="1888541"/>
-          </a:xfrm>
-        </p:grpSpPr>
-        <p:sp>
-          <p:nvSpPr>
-            <p:cNvPr id="140" name="フローチャート: 磁気ディスク 139"/>
-            <p:cNvSpPr/>
-            <p:nvPr/>
-          </p:nvSpPr>
-          <p:spPr>
-            <a:xfrm>
-              <a:off x="1340505" y="2009996"/>
-              <a:ext cx="990600" cy="933450"/>
-            </a:xfrm>
-            <a:prstGeom prst="flowChartMagneticDisk">
-              <a:avLst/>
-            </a:prstGeom>
-            <a:solidFill>
-              <a:srgbClr val="5B9BD5"/>
-            </a:solidFill>
-            <a:ln w="38100" cap="flat" cmpd="sng" algn="ctr">
-              <a:solidFill>
-                <a:srgbClr val="002B62"/>
-              </a:solidFill>
-              <a:prstDash val="solid"/>
-              <a:miter lim="800000"/>
-            </a:ln>
-            <a:effectLst/>
-          </p:spPr>
-          <p:txBody>
-            <a:bodyPr rtlCol="0" anchor="ctr"/>
-            <a:lstStyle/>
-            <a:p>
-              <a:pPr algn="ctr" defTabSz="685800"/>
-              <a:endParaRPr kumimoji="0" lang="ja-JP" altLang="en-US" sz="1350" kern="0" smtClean="0">
-                <a:solidFill>
-                  <a:prstClr val="white"/>
-                </a:solidFill>
-                <a:latin typeface="Meiryo UI" panose="020B0604030504040204" pitchFamily="50" charset="-128"/>
-                <a:ea typeface="Meiryo UI" panose="020B0604030504040204" pitchFamily="50" charset="-128"/>
-              </a:endParaRPr>
-            </a:p>
-          </p:txBody>
-        </p:sp>
-        <p:sp>
-          <p:nvSpPr>
-            <p:cNvPr id="141" name="フローチャート: 磁気ディスク 140"/>
-            <p:cNvSpPr/>
-            <p:nvPr/>
-          </p:nvSpPr>
-          <p:spPr>
-            <a:xfrm>
-              <a:off x="749784" y="2334140"/>
-              <a:ext cx="990600" cy="933450"/>
-            </a:xfrm>
-            <a:prstGeom prst="flowChartMagneticDisk">
-              <a:avLst/>
-            </a:prstGeom>
-            <a:solidFill>
-              <a:srgbClr val="5B9BD5"/>
-            </a:solidFill>
-            <a:ln w="38100" cap="flat" cmpd="sng" algn="ctr">
-              <a:solidFill>
-                <a:srgbClr val="002B62"/>
-              </a:solidFill>
-              <a:prstDash val="solid"/>
-              <a:miter lim="800000"/>
-            </a:ln>
-            <a:effectLst/>
-          </p:spPr>
-          <p:txBody>
-            <a:bodyPr rtlCol="0" anchor="ctr"/>
-            <a:lstStyle/>
-            <a:p>
-              <a:pPr algn="ctr" defTabSz="685800"/>
-              <a:r>
-                <a:rPr kumimoji="0" lang="en-US" altLang="ja-JP" sz="600" kern="0" dirty="0" smtClean="0">
-                  <a:solidFill>
-                    <a:prstClr val="white"/>
-                  </a:solidFill>
-                  <a:latin typeface="Meiryo UI" panose="020B0604030504040204" pitchFamily="50" charset="-128"/>
-                  <a:ea typeface="Meiryo UI" panose="020B0604030504040204" pitchFamily="50" charset="-128"/>
-                </a:rPr>
-                <a:t>File A</a:t>
-              </a:r>
-              <a:endParaRPr kumimoji="0" lang="ja-JP" altLang="en-US" sz="600" kern="0" dirty="0" smtClean="0">
-                <a:solidFill>
-                  <a:prstClr val="white"/>
-                </a:solidFill>
-                <a:latin typeface="Meiryo UI" panose="020B0604030504040204" pitchFamily="50" charset="-128"/>
-                <a:ea typeface="Meiryo UI" panose="020B0604030504040204" pitchFamily="50" charset="-128"/>
-              </a:endParaRPr>
-            </a:p>
-          </p:txBody>
-        </p:sp>
-        <p:sp>
-          <p:nvSpPr>
-            <p:cNvPr id="142" name="角丸四角形 141"/>
-            <p:cNvSpPr/>
-            <p:nvPr/>
-          </p:nvSpPr>
-          <p:spPr>
-            <a:xfrm>
-              <a:off x="371024" y="1474960"/>
-              <a:ext cx="2337717" cy="1888541"/>
-            </a:xfrm>
-            <a:prstGeom prst="roundRect">
-              <a:avLst/>
-            </a:prstGeom>
-            <a:noFill/>
-            <a:ln w="38100" cap="flat" cmpd="sng" algn="ctr">
-              <a:solidFill>
-                <a:srgbClr val="002B62"/>
-              </a:solidFill>
-              <a:prstDash val="solid"/>
-              <a:miter lim="800000"/>
-            </a:ln>
-            <a:effectLst/>
-          </p:spPr>
-          <p:txBody>
-            <a:bodyPr rtlCol="0" anchor="t" anchorCtr="0"/>
-            <a:lstStyle/>
-            <a:p>
-              <a:pPr algn="ctr" defTabSz="685800"/>
-              <a:r>
-                <a:rPr kumimoji="0" lang="en-US" altLang="ja-JP" sz="700" b="1" kern="0" dirty="0" smtClean="0">
-                  <a:solidFill>
-                    <a:srgbClr val="002B62"/>
-                  </a:solidFill>
-                  <a:latin typeface="Meiryo UI" panose="020B0604030504040204" pitchFamily="50" charset="-128"/>
-                  <a:ea typeface="Meiryo UI" panose="020B0604030504040204" pitchFamily="50" charset="-128"/>
-                </a:rPr>
-                <a:t>Git</a:t>
-              </a:r>
-              <a:r>
-                <a:rPr kumimoji="0" lang="ja-JP" altLang="en-US" sz="700" b="1" kern="0" dirty="0">
-                  <a:solidFill>
-                    <a:srgbClr val="002B62"/>
-                  </a:solidFill>
-                  <a:latin typeface="Meiryo UI" panose="020B0604030504040204" pitchFamily="50" charset="-128"/>
-                  <a:ea typeface="Meiryo UI" panose="020B0604030504040204" pitchFamily="50" charset="-128"/>
-                </a:rPr>
-                <a:t> </a:t>
-              </a:r>
-              <a:r>
-                <a:rPr kumimoji="0" lang="en-US" altLang="ja-JP" sz="700" b="1" kern="0" dirty="0" smtClean="0">
-                  <a:solidFill>
-                    <a:srgbClr val="002B62"/>
-                  </a:solidFill>
-                  <a:latin typeface="Meiryo UI" panose="020B0604030504040204" pitchFamily="50" charset="-128"/>
-                  <a:ea typeface="Meiryo UI" panose="020B0604030504040204" pitchFamily="50" charset="-128"/>
-                </a:rPr>
-                <a:t>repository</a:t>
-              </a:r>
-              <a:endParaRPr kumimoji="0" lang="ja-JP" altLang="en-US" sz="700" b="1" kern="0" dirty="0" smtClean="0">
-                <a:solidFill>
-                  <a:srgbClr val="002B62"/>
-                </a:solidFill>
-                <a:latin typeface="Meiryo UI" panose="020B0604030504040204" pitchFamily="50" charset="-128"/>
-                <a:ea typeface="Meiryo UI" panose="020B0604030504040204" pitchFamily="50" charset="-128"/>
-              </a:endParaRPr>
-            </a:p>
-          </p:txBody>
-        </p:sp>
-      </p:grpSp>
-      <p:grpSp>
-        <p:nvGrpSpPr>
-          <p:cNvPr id="143" name="グループ化 142"/>
-          <p:cNvGrpSpPr/>
-          <p:nvPr/>
-        </p:nvGrpSpPr>
-        <p:grpSpPr>
-          <a:xfrm>
-            <a:off x="5497968" y="2385700"/>
-            <a:ext cx="1149417" cy="1337388"/>
-            <a:chOff x="6020681" y="2080208"/>
-            <a:chExt cx="1435808" cy="1415272"/>
-          </a:xfrm>
-        </p:grpSpPr>
-        <p:sp>
-          <p:nvSpPr>
-            <p:cNvPr id="144" name="フローチャート: 磁気ディスク 143"/>
-            <p:cNvSpPr/>
-            <p:nvPr/>
-          </p:nvSpPr>
-          <p:spPr>
-            <a:xfrm>
-              <a:off x="6683158" y="2659041"/>
-              <a:ext cx="525435" cy="492993"/>
-            </a:xfrm>
-            <a:prstGeom prst="flowChartMagneticDisk">
-              <a:avLst/>
-            </a:prstGeom>
-            <a:solidFill>
-              <a:srgbClr val="5B9BD5"/>
-            </a:solidFill>
-            <a:ln w="38100" cap="flat" cmpd="sng" algn="ctr">
-              <a:solidFill>
-                <a:srgbClr val="002B62"/>
-              </a:solidFill>
-              <a:prstDash val="solid"/>
-              <a:miter lim="800000"/>
-            </a:ln>
-            <a:effectLst/>
-          </p:spPr>
-          <p:txBody>
-            <a:bodyPr rtlCol="0" anchor="ctr"/>
-            <a:lstStyle/>
-            <a:p>
-              <a:pPr algn="ctr" defTabSz="685800"/>
-              <a:endParaRPr kumimoji="0" lang="ja-JP" altLang="en-US" sz="1350" kern="0" smtClean="0">
-                <a:solidFill>
-                  <a:prstClr val="white"/>
-                </a:solidFill>
-                <a:latin typeface="Meiryo UI" panose="020B0604030504040204" pitchFamily="50" charset="-128"/>
-                <a:ea typeface="Meiryo UI" panose="020B0604030504040204" pitchFamily="50" charset="-128"/>
-              </a:endParaRPr>
-            </a:p>
-          </p:txBody>
-        </p:sp>
-        <p:sp>
-          <p:nvSpPr>
-            <p:cNvPr id="145" name="フローチャート: 磁気ディスク 144"/>
-            <p:cNvSpPr/>
-            <p:nvPr/>
-          </p:nvSpPr>
-          <p:spPr>
-            <a:xfrm>
-              <a:off x="6345606" y="2855308"/>
-              <a:ext cx="525435" cy="466925"/>
-            </a:xfrm>
-            <a:prstGeom prst="flowChartMagneticDisk">
-              <a:avLst/>
-            </a:prstGeom>
-            <a:solidFill>
-              <a:srgbClr val="5B9BD5"/>
-            </a:solidFill>
-            <a:ln w="38100" cap="flat" cmpd="sng" algn="ctr">
-              <a:solidFill>
-                <a:srgbClr val="002B62"/>
-              </a:solidFill>
-              <a:prstDash val="solid"/>
-              <a:miter lim="800000"/>
-            </a:ln>
-            <a:effectLst/>
-          </p:spPr>
-          <p:txBody>
-            <a:bodyPr rtlCol="0" anchor="ctr"/>
-            <a:lstStyle/>
-            <a:p>
-              <a:pPr algn="ctr" defTabSz="685800"/>
-              <a:r>
-                <a:rPr kumimoji="0" lang="en-US" altLang="ja-JP" sz="600" kern="0" dirty="0" smtClean="0">
-                  <a:solidFill>
-                    <a:prstClr val="white"/>
-                  </a:solidFill>
-                  <a:latin typeface="Meiryo UI" panose="020B0604030504040204" pitchFamily="50" charset="-128"/>
-                  <a:ea typeface="Meiryo UI" panose="020B0604030504040204" pitchFamily="50" charset="-128"/>
-                </a:rPr>
-                <a:t>File A</a:t>
-              </a:r>
-              <a:endParaRPr kumimoji="0" lang="ja-JP" altLang="en-US" sz="600" kern="0" dirty="0" smtClean="0">
-                <a:solidFill>
-                  <a:prstClr val="white"/>
-                </a:solidFill>
-                <a:latin typeface="Meiryo UI" panose="020B0604030504040204" pitchFamily="50" charset="-128"/>
-                <a:ea typeface="Meiryo UI" panose="020B0604030504040204" pitchFamily="50" charset="-128"/>
-              </a:endParaRPr>
-            </a:p>
-          </p:txBody>
-        </p:sp>
-        <p:sp>
-          <p:nvSpPr>
-            <p:cNvPr id="146" name="角丸四角形 145"/>
-            <p:cNvSpPr/>
-            <p:nvPr/>
-          </p:nvSpPr>
-          <p:spPr>
-            <a:xfrm>
-              <a:off x="6020681" y="2080208"/>
-              <a:ext cx="1435808" cy="1415272"/>
-            </a:xfrm>
-            <a:prstGeom prst="roundRect">
-              <a:avLst/>
-            </a:prstGeom>
-            <a:noFill/>
-            <a:ln w="38100" cap="flat" cmpd="sng" algn="ctr">
-              <a:solidFill>
-                <a:srgbClr val="002B62"/>
-              </a:solidFill>
-              <a:prstDash val="dash"/>
-              <a:miter lim="800000"/>
-            </a:ln>
-            <a:effectLst/>
-          </p:spPr>
-          <p:txBody>
-            <a:bodyPr rtlCol="0" anchor="t" anchorCtr="0"/>
-            <a:lstStyle/>
-            <a:p>
-              <a:pPr algn="ctr" defTabSz="685800"/>
-              <a:r>
-                <a:rPr kumimoji="0" lang="en-US" altLang="ja-JP" sz="900" b="1" kern="0" dirty="0" smtClean="0">
-                  <a:solidFill>
-                    <a:srgbClr val="002B62"/>
-                  </a:solidFill>
-                  <a:latin typeface="Meiryo UI" panose="020B0604030504040204" pitchFamily="50" charset="-128"/>
-                  <a:ea typeface="Meiryo UI" panose="020B0604030504040204" pitchFamily="50" charset="-128"/>
-                </a:rPr>
-                <a:t>Git</a:t>
-              </a:r>
-              <a:r>
-                <a:rPr kumimoji="0" lang="ja-JP" altLang="en-US" sz="900" b="1" kern="0" dirty="0">
-                  <a:solidFill>
-                    <a:srgbClr val="002B62"/>
-                  </a:solidFill>
-                  <a:latin typeface="Meiryo UI" panose="020B0604030504040204" pitchFamily="50" charset="-128"/>
-                  <a:ea typeface="Meiryo UI" panose="020B0604030504040204" pitchFamily="50" charset="-128"/>
-                </a:rPr>
-                <a:t> </a:t>
-              </a:r>
-              <a:r>
-                <a:rPr kumimoji="0" lang="en-US" altLang="ja-JP" sz="900" b="1" kern="0" dirty="0" smtClean="0">
-                  <a:solidFill>
-                    <a:srgbClr val="002B62"/>
-                  </a:solidFill>
-                  <a:latin typeface="Meiryo UI" panose="020B0604030504040204" pitchFamily="50" charset="-128"/>
-                  <a:ea typeface="Meiryo UI" panose="020B0604030504040204" pitchFamily="50" charset="-128"/>
-                </a:rPr>
-                <a:t>link funct.</a:t>
-              </a:r>
-              <a:endParaRPr kumimoji="0" lang="ja-JP" altLang="en-US" sz="900" b="1" kern="0" dirty="0" smtClean="0">
-                <a:solidFill>
-                  <a:srgbClr val="002B62"/>
-                </a:solidFill>
-                <a:latin typeface="Meiryo UI" panose="020B0604030504040204" pitchFamily="50" charset="-128"/>
-                <a:ea typeface="Meiryo UI" panose="020B0604030504040204" pitchFamily="50" charset="-128"/>
-              </a:endParaRPr>
-            </a:p>
-          </p:txBody>
-        </p:sp>
-        <p:sp>
-          <p:nvSpPr>
-            <p:cNvPr id="147" name="角丸四角形 146"/>
-            <p:cNvSpPr/>
-            <p:nvPr/>
-          </p:nvSpPr>
-          <p:spPr>
-            <a:xfrm>
-              <a:off x="6138137" y="2395959"/>
-              <a:ext cx="1217639" cy="973727"/>
-            </a:xfrm>
-            <a:prstGeom prst="roundRect">
-              <a:avLst/>
-            </a:prstGeom>
-            <a:noFill/>
-            <a:ln w="38100" cap="flat" cmpd="sng" algn="ctr">
-              <a:solidFill>
-                <a:srgbClr val="002B62"/>
-              </a:solidFill>
-              <a:prstDash val="solid"/>
-              <a:miter lim="800000"/>
-            </a:ln>
-            <a:effectLst/>
-          </p:spPr>
-          <p:txBody>
-            <a:bodyPr rtlCol="0" anchor="t" anchorCtr="0"/>
-            <a:lstStyle/>
-            <a:p>
-              <a:pPr algn="ctr" defTabSz="685800"/>
-              <a:r>
-                <a:rPr kumimoji="0" lang="en-US" altLang="ja-JP" sz="600" b="1" kern="0" dirty="0" smtClean="0">
-                  <a:solidFill>
-                    <a:srgbClr val="002B62"/>
-                  </a:solidFill>
-                  <a:latin typeface="Meiryo UI" panose="020B0604030504040204" pitchFamily="50" charset="-128"/>
-                  <a:ea typeface="Meiryo UI" panose="020B0604030504040204" pitchFamily="50" charset="-128"/>
-                </a:rPr>
-                <a:t>Local Repository</a:t>
-              </a:r>
-              <a:endParaRPr kumimoji="0" lang="ja-JP" altLang="en-US" sz="600" b="1" kern="0" dirty="0" smtClean="0">
-                <a:solidFill>
-                  <a:srgbClr val="002B62"/>
-                </a:solidFill>
-                <a:latin typeface="Meiryo UI" panose="020B0604030504040204" pitchFamily="50" charset="-128"/>
-                <a:ea typeface="Meiryo UI" panose="020B0604030504040204" pitchFamily="50" charset="-128"/>
-              </a:endParaRPr>
-            </a:p>
-          </p:txBody>
-        </p:sp>
-      </p:grpSp>
-      <p:sp>
-        <p:nvSpPr>
-          <p:cNvPr id="148" name="正方形/長方形 147"/>
-          <p:cNvSpPr/>
-          <p:nvPr/>
-        </p:nvSpPr>
-        <p:spPr>
-          <a:xfrm>
-            <a:off x="5186250" y="1929062"/>
-            <a:ext cx="2761536" cy="3444208"/>
-          </a:xfrm>
-          <a:prstGeom prst="rect">
-            <a:avLst/>
-          </a:prstGeom>
-          <a:noFill/>
-          <a:ln w="38100" cap="flat" cmpd="sng" algn="ctr">
-            <a:solidFill>
-              <a:srgbClr val="002B62"/>
-            </a:solidFill>
-            <a:prstDash val="solid"/>
-            <a:miter lim="800000"/>
-          </a:ln>
-          <a:effectLst/>
-        </p:spPr>
-        <p:txBody>
-          <a:bodyPr rtlCol="0" anchor="ctr"/>
-          <a:lstStyle/>
-          <a:p>
-            <a:pPr marL="0" marR="0" lvl="0" indent="0" algn="ctr" defTabSz="685800" eaLnBrk="1" fontAlgn="auto" latinLnBrk="0" hangingPunct="1">
-              <a:lnSpc>
-                <a:spcPct val="100000"/>
-              </a:lnSpc>
-              <a:spcBef>
-                <a:spcPts val="0"/>
-              </a:spcBef>
-              <a:spcAft>
-                <a:spcPts val="0"/>
-              </a:spcAft>
-              <a:buClrTx/>
-              <a:buSzTx/>
-              <a:buFontTx/>
-              <a:buNone/>
-              <a:tabLst/>
-              <a:defRPr/>
-            </a:pPr>
-            <a:endParaRPr kumimoji="0" lang="ja-JP" altLang="en-US" sz="1350" b="0" i="0" u="none" strike="noStrike" kern="0" cap="none" spc="0" normalizeH="0" baseline="0" noProof="0" smtClean="0">
-              <a:ln>
-                <a:noFill/>
-              </a:ln>
-              <a:solidFill>
-                <a:prstClr val="white"/>
-              </a:solidFill>
-              <a:effectLst/>
-              <a:uLnTx/>
-              <a:uFillTx/>
-              <a:latin typeface="Meiryo UI" panose="020B0604030504040204" pitchFamily="50" charset="-128"/>
-              <a:ea typeface="Meiryo UI" panose="020B0604030504040204" pitchFamily="50" charset="-128"/>
-              <a:cs typeface="+mn-cs"/>
-            </a:endParaRPr>
-          </a:p>
-        </p:txBody>
-      </p:sp>
-      <p:sp>
-        <p:nvSpPr>
-          <p:cNvPr id="149" name="環状矢印 148"/>
-          <p:cNvSpPr/>
-          <p:nvPr/>
-        </p:nvSpPr>
-        <p:spPr>
-          <a:xfrm rot="10800000">
-            <a:off x="4826209" y="2782889"/>
-            <a:ext cx="666516" cy="721355"/>
-          </a:xfrm>
-          <a:prstGeom prst="circularArrow">
-            <a:avLst>
-              <a:gd name="adj1" fmla="val 12716"/>
-              <a:gd name="adj2" fmla="val 1861405"/>
-              <a:gd name="adj3" fmla="val 8853523"/>
-              <a:gd name="adj4" fmla="val 12039106"/>
-              <a:gd name="adj5" fmla="val 17377"/>
-            </a:avLst>
-          </a:prstGeom>
-          <a:solidFill>
-            <a:srgbClr val="FFC000"/>
-          </a:solidFill>
-          <a:ln>
-            <a:noFill/>
-          </a:ln>
-          <a:effectLst/>
-        </p:spPr>
-      </p:sp>
-      <p:sp>
-        <p:nvSpPr>
-          <p:cNvPr id="150" name="テキスト ボックス 149"/>
-          <p:cNvSpPr txBox="1"/>
-          <p:nvPr/>
-        </p:nvSpPr>
-        <p:spPr>
-          <a:xfrm>
-            <a:off x="4391647" y="3457446"/>
-            <a:ext cx="1073554" cy="369332"/>
-          </a:xfrm>
-          <a:prstGeom prst="rect">
-            <a:avLst/>
-          </a:prstGeom>
-          <a:solidFill>
-            <a:sysClr val="window" lastClr="FFFFFF"/>
-          </a:solidFill>
-        </p:spPr>
-        <p:txBody>
-          <a:bodyPr wrap="square" rtlCol="0">
-            <a:spAutoFit/>
-          </a:bodyPr>
-          <a:lstStyle/>
-          <a:p>
-            <a:pPr marL="0" marR="0" lvl="0" indent="0" algn="ctr" defTabSz="685800" eaLnBrk="1" fontAlgn="auto" latinLnBrk="0" hangingPunct="1">
-              <a:lnSpc>
-                <a:spcPct val="100000"/>
-              </a:lnSpc>
-              <a:spcBef>
-                <a:spcPts val="0"/>
-              </a:spcBef>
-              <a:spcAft>
-                <a:spcPts val="0"/>
-              </a:spcAft>
-              <a:buClrTx/>
-              <a:buSzTx/>
-              <a:buFontTx/>
-              <a:buNone/>
-              <a:tabLst/>
-              <a:defRPr/>
-            </a:pPr>
-            <a:r>
-              <a:rPr kumimoji="0" lang="en-US" altLang="ja-JP" sz="900" b="1" i="0" u="none" strike="noStrike" kern="0" cap="none" spc="0" normalizeH="0" baseline="0" noProof="0" dirty="0" smtClean="0">
-                <a:ln>
-                  <a:noFill/>
-                </a:ln>
-                <a:solidFill>
-                  <a:srgbClr val="002B62"/>
-                </a:solidFill>
-                <a:effectLst/>
-                <a:uLnTx/>
-                <a:uFillTx/>
-                <a:latin typeface="Meiryo UI" panose="020B0604030504040204" pitchFamily="50" charset="-128"/>
-                <a:ea typeface="Meiryo UI" panose="020B0604030504040204" pitchFamily="50" charset="-128"/>
-              </a:rPr>
-              <a:t>Clone/Update Git</a:t>
-            </a:r>
-            <a:endParaRPr kumimoji="0" lang="ja-JP" altLang="en-US" sz="900" b="1" i="0" u="none" strike="noStrike" kern="0" cap="none" spc="0" normalizeH="0" baseline="0" noProof="0" dirty="0" smtClean="0">
-              <a:ln>
-                <a:noFill/>
-              </a:ln>
-              <a:solidFill>
-                <a:srgbClr val="002B62"/>
-              </a:solidFill>
-              <a:effectLst/>
-              <a:uLnTx/>
-              <a:uFillTx/>
-              <a:latin typeface="Meiryo UI" panose="020B0604030504040204" pitchFamily="50" charset="-128"/>
-              <a:ea typeface="Meiryo UI" panose="020B0604030504040204" pitchFamily="50" charset="-128"/>
-            </a:endParaRPr>
-          </a:p>
-        </p:txBody>
-      </p:sp>
-      <p:grpSp>
-        <p:nvGrpSpPr>
-          <p:cNvPr id="151" name="グループ化 150"/>
-          <p:cNvGrpSpPr/>
-          <p:nvPr/>
-        </p:nvGrpSpPr>
-        <p:grpSpPr>
-          <a:xfrm>
-            <a:off x="8025083" y="4016125"/>
-            <a:ext cx="862761" cy="1169373"/>
-            <a:chOff x="10343028" y="4197849"/>
-            <a:chExt cx="1544172" cy="1965414"/>
-          </a:xfrm>
-        </p:grpSpPr>
-        <p:sp>
-          <p:nvSpPr>
-            <p:cNvPr id="152" name="角丸四角形 151"/>
-            <p:cNvSpPr/>
-            <p:nvPr/>
-          </p:nvSpPr>
-          <p:spPr>
-            <a:xfrm>
-              <a:off x="10343028" y="4197849"/>
-              <a:ext cx="1544172" cy="1965414"/>
-            </a:xfrm>
-            <a:prstGeom prst="roundRect">
-              <a:avLst/>
-            </a:prstGeom>
-            <a:noFill/>
-            <a:ln w="38100" cap="flat" cmpd="sng" algn="ctr">
-              <a:solidFill>
-                <a:srgbClr val="002B62"/>
-              </a:solidFill>
-              <a:prstDash val="dash"/>
-              <a:miter lim="800000"/>
-            </a:ln>
-            <a:effectLst/>
-          </p:spPr>
-          <p:txBody>
-            <a:bodyPr rtlCol="0" anchor="t" anchorCtr="0"/>
-            <a:lstStyle/>
-            <a:p>
-              <a:pPr marL="0" marR="0" lvl="0" indent="0" algn="ctr" defTabSz="685800" eaLnBrk="1" fontAlgn="auto" latinLnBrk="0" hangingPunct="1">
-                <a:lnSpc>
-                  <a:spcPct val="100000"/>
-                </a:lnSpc>
-                <a:spcBef>
-                  <a:spcPts val="0"/>
-                </a:spcBef>
-                <a:spcAft>
-                  <a:spcPts val="0"/>
-                </a:spcAft>
-                <a:buClrTx/>
-                <a:buSzTx/>
-                <a:buFontTx/>
-                <a:buNone/>
-                <a:tabLst/>
-                <a:defRPr/>
-              </a:pPr>
-              <a:r>
-                <a:rPr kumimoji="0" lang="en-US" altLang="ja-JP" sz="800" b="1" i="0" u="none" strike="noStrike" kern="0" cap="none" spc="0" normalizeH="0" baseline="0" noProof="0" dirty="0" smtClean="0">
-                  <a:ln>
-                    <a:noFill/>
-                  </a:ln>
-                  <a:solidFill>
-                    <a:srgbClr val="002B62"/>
-                  </a:solidFill>
-                  <a:effectLst/>
-                  <a:uLnTx/>
-                  <a:uFillTx/>
-                  <a:latin typeface="Meiryo UI" panose="020B0604030504040204" pitchFamily="50" charset="-128"/>
-                  <a:ea typeface="Meiryo UI" panose="020B0604030504040204" pitchFamily="50" charset="-128"/>
-                  <a:cs typeface="+mn-cs"/>
-                </a:rPr>
-                <a:t>Target system</a:t>
-              </a:r>
-              <a:endParaRPr kumimoji="0" lang="ja-JP" altLang="en-US" sz="800" b="1" i="0" u="none" strike="noStrike" kern="0" cap="none" spc="0" normalizeH="0" baseline="0" noProof="0" dirty="0" smtClean="0">
-                <a:ln>
-                  <a:noFill/>
-                </a:ln>
-                <a:solidFill>
-                  <a:srgbClr val="002B62"/>
-                </a:solidFill>
-                <a:effectLst/>
-                <a:uLnTx/>
-                <a:uFillTx/>
-                <a:latin typeface="Meiryo UI" panose="020B0604030504040204" pitchFamily="50" charset="-128"/>
-                <a:ea typeface="Meiryo UI" panose="020B0604030504040204" pitchFamily="50" charset="-128"/>
-                <a:cs typeface="+mn-cs"/>
-              </a:endParaRPr>
-            </a:p>
-          </p:txBody>
-        </p:sp>
-        <p:pic>
-          <p:nvPicPr>
-            <p:cNvPr id="153" name="図 152"/>
-            <p:cNvPicPr>
-              <a:picLocks noChangeAspect="1"/>
-            </p:cNvPicPr>
-            <p:nvPr/>
-          </p:nvPicPr>
-          <p:blipFill>
-            <a:blip r:embed="rId2" cstate="print">
-              <a:duotone>
-                <a:srgbClr val="5B9BD5">
-                  <a:shade val="45000"/>
-                  <a:satMod val="135000"/>
-                </a:srgbClr>
-                <a:prstClr val="white"/>
-              </a:duotone>
-              <a:extLst>
-                <a:ext uri="{28A0092B-C50C-407E-A947-70E740481C1C}">
-                  <a14:useLocalDpi xmlns:a14="http://schemas.microsoft.com/office/drawing/2010/main" val="0"/>
-                </a:ext>
-              </a:extLst>
-            </a:blip>
-            <a:stretch>
-              <a:fillRect/>
-            </a:stretch>
-          </p:blipFill>
-          <p:spPr>
-            <a:xfrm>
-              <a:off x="10719701" y="4911350"/>
-              <a:ext cx="890928" cy="890928"/>
-            </a:xfrm>
-            <a:prstGeom prst="rect">
-              <a:avLst/>
-            </a:prstGeom>
-            <a:noFill/>
-            <a:ln>
-              <a:noFill/>
-            </a:ln>
-          </p:spPr>
-        </p:pic>
-        <p:sp>
-          <p:nvSpPr>
-            <p:cNvPr id="154" name="テキスト ボックス 153"/>
-            <p:cNvSpPr txBox="1"/>
-            <p:nvPr/>
-          </p:nvSpPr>
-          <p:spPr>
-            <a:xfrm>
-              <a:off x="10432221" y="5802278"/>
-              <a:ext cx="1407381" cy="310376"/>
-            </a:xfrm>
-            <a:prstGeom prst="rect">
-              <a:avLst/>
-            </a:prstGeom>
-            <a:noFill/>
-          </p:spPr>
-          <p:txBody>
-            <a:bodyPr wrap="square" rtlCol="0">
-              <a:spAutoFit/>
-            </a:bodyPr>
-            <a:lstStyle/>
-            <a:p>
-              <a:pPr marL="0" marR="0" lvl="0" indent="0" defTabSz="685800" eaLnBrk="1" fontAlgn="auto" latinLnBrk="0" hangingPunct="1">
-                <a:lnSpc>
-                  <a:spcPct val="100000"/>
-                </a:lnSpc>
-                <a:spcBef>
-                  <a:spcPts val="0"/>
-                </a:spcBef>
-                <a:spcAft>
-                  <a:spcPts val="0"/>
-                </a:spcAft>
-                <a:buClrTx/>
-                <a:buSzTx/>
-                <a:buFontTx/>
-                <a:buNone/>
-                <a:tabLst/>
-                <a:defRPr/>
-              </a:pPr>
-              <a:r>
-                <a:rPr kumimoji="0" lang="en-US" altLang="ja-JP" sz="600" b="1" i="0" u="none" strike="noStrike" kern="0" cap="none" spc="0" normalizeH="0" baseline="0" noProof="0" dirty="0" smtClean="0">
-                  <a:ln>
-                    <a:noFill/>
-                  </a:ln>
-                  <a:solidFill>
-                    <a:srgbClr val="002B62"/>
-                  </a:solidFill>
-                  <a:effectLst/>
-                  <a:uLnTx/>
-                  <a:uFillTx/>
-                  <a:latin typeface="Meiryo UI" panose="020B0604030504040204" pitchFamily="50" charset="-128"/>
-                  <a:ea typeface="Meiryo UI" panose="020B0604030504040204" pitchFamily="50" charset="-128"/>
-                </a:rPr>
-                <a:t>Target server</a:t>
-              </a:r>
-              <a:endParaRPr kumimoji="0" lang="ja-JP" altLang="en-US" sz="600" b="1" i="0" u="none" strike="noStrike" kern="0" cap="none" spc="0" normalizeH="0" baseline="0" noProof="0" dirty="0" smtClean="0">
-                <a:ln>
-                  <a:noFill/>
-                </a:ln>
-                <a:solidFill>
-                  <a:srgbClr val="002B62"/>
-                </a:solidFill>
-                <a:effectLst/>
-                <a:uLnTx/>
-                <a:uFillTx/>
-                <a:latin typeface="Meiryo UI" panose="020B0604030504040204" pitchFamily="50" charset="-128"/>
-                <a:ea typeface="Meiryo UI" panose="020B0604030504040204" pitchFamily="50" charset="-128"/>
-              </a:endParaRPr>
-            </a:p>
-          </p:txBody>
-        </p:sp>
-      </p:grpSp>
-      <p:grpSp>
-        <p:nvGrpSpPr>
-          <p:cNvPr id="156" name="グループ化 155"/>
-          <p:cNvGrpSpPr/>
-          <p:nvPr/>
-        </p:nvGrpSpPr>
-        <p:grpSpPr>
-          <a:xfrm>
-            <a:off x="6740432" y="3281726"/>
-            <a:ext cx="1132607" cy="1896370"/>
-            <a:chOff x="3328152" y="3510483"/>
-            <a:chExt cx="1414810" cy="2006807"/>
-          </a:xfrm>
-        </p:grpSpPr>
-        <p:sp>
-          <p:nvSpPr>
-            <p:cNvPr id="157" name="角丸四角形 156"/>
-            <p:cNvSpPr/>
-            <p:nvPr/>
-          </p:nvSpPr>
-          <p:spPr>
-            <a:xfrm>
-              <a:off x="3328152" y="3510483"/>
-              <a:ext cx="1414810" cy="2006807"/>
-            </a:xfrm>
-            <a:prstGeom prst="roundRect">
-              <a:avLst/>
-            </a:prstGeom>
-            <a:noFill/>
-            <a:ln w="38100" cap="flat" cmpd="sng" algn="ctr">
-              <a:solidFill>
-                <a:srgbClr val="002B62"/>
-              </a:solidFill>
-              <a:prstDash val="dash"/>
-              <a:miter lim="800000"/>
-            </a:ln>
-            <a:effectLst/>
-          </p:spPr>
-          <p:txBody>
-            <a:bodyPr rtlCol="0" anchor="t" anchorCtr="0"/>
-            <a:lstStyle/>
-            <a:p>
-              <a:pPr marL="0" marR="0" lvl="0" indent="0" algn="ctr" defTabSz="685800" eaLnBrk="1" fontAlgn="auto" latinLnBrk="0" hangingPunct="1">
-                <a:lnSpc>
-                  <a:spcPct val="100000"/>
-                </a:lnSpc>
-                <a:spcBef>
-                  <a:spcPts val="0"/>
-                </a:spcBef>
-                <a:spcAft>
-                  <a:spcPts val="0"/>
-                </a:spcAft>
-                <a:buClrTx/>
-                <a:buSzTx/>
-                <a:buFontTx/>
-                <a:buNone/>
-                <a:tabLst/>
-                <a:defRPr/>
-              </a:pPr>
-              <a:r>
-                <a:rPr kumimoji="0" lang="en-US" altLang="ja-JP" sz="1000" b="1" i="0" u="none" strike="noStrike" kern="0" cap="none" spc="0" normalizeH="0" baseline="0" noProof="0" dirty="0" smtClean="0">
-                  <a:ln>
-                    <a:noFill/>
-                  </a:ln>
-                  <a:solidFill>
-                    <a:srgbClr val="002B62"/>
-                  </a:solidFill>
-                  <a:effectLst/>
-                  <a:uLnTx/>
-                  <a:uFillTx/>
-                  <a:latin typeface="Meiryo UI" panose="020B0604030504040204" pitchFamily="50" charset="-128"/>
-                  <a:ea typeface="Meiryo UI" panose="020B0604030504040204" pitchFamily="50" charset="-128"/>
-                  <a:cs typeface="+mn-cs"/>
-                </a:rPr>
-                <a:t>Link driver</a:t>
-              </a:r>
-              <a:endParaRPr kumimoji="0" lang="ja-JP" altLang="en-US" sz="1000" b="1" i="0" u="none" strike="noStrike" kern="0" cap="none" spc="0" normalizeH="0" baseline="0" noProof="0" dirty="0" smtClean="0">
-                <a:ln>
-                  <a:noFill/>
-                </a:ln>
-                <a:solidFill>
-                  <a:srgbClr val="002B62"/>
-                </a:solidFill>
-                <a:effectLst/>
-                <a:uLnTx/>
-                <a:uFillTx/>
-                <a:latin typeface="Meiryo UI" panose="020B0604030504040204" pitchFamily="50" charset="-128"/>
-                <a:ea typeface="Meiryo UI" panose="020B0604030504040204" pitchFamily="50" charset="-128"/>
-                <a:cs typeface="+mn-cs"/>
-              </a:endParaRPr>
-            </a:p>
-          </p:txBody>
-        </p:sp>
-        <p:grpSp>
-          <p:nvGrpSpPr>
-            <p:cNvPr id="158" name="グループ化 157"/>
-            <p:cNvGrpSpPr/>
-            <p:nvPr/>
-          </p:nvGrpSpPr>
-          <p:grpSpPr>
-            <a:xfrm>
-              <a:off x="3417953" y="3882474"/>
-              <a:ext cx="1213390" cy="970960"/>
-              <a:chOff x="5747827" y="2440136"/>
-              <a:chExt cx="1213390" cy="970960"/>
-            </a:xfrm>
-          </p:grpSpPr>
-          <p:sp>
-            <p:nvSpPr>
-              <p:cNvPr id="160" name="フローチャート: 磁気ディスク 159"/>
-              <p:cNvSpPr/>
-              <p:nvPr/>
-            </p:nvSpPr>
-            <p:spPr>
-              <a:xfrm>
-                <a:off x="6284458" y="2723422"/>
-                <a:ext cx="494540" cy="485720"/>
-              </a:xfrm>
-              <a:prstGeom prst="flowChartMagneticDisk">
-                <a:avLst/>
-              </a:prstGeom>
-              <a:solidFill>
-                <a:srgbClr val="5B9BD5"/>
-              </a:solidFill>
-              <a:ln w="38100" cap="flat" cmpd="sng" algn="ctr">
-                <a:solidFill>
-                  <a:srgbClr val="002B62"/>
-                </a:solidFill>
-                <a:prstDash val="solid"/>
-                <a:miter lim="800000"/>
-              </a:ln>
-              <a:effectLst/>
-            </p:spPr>
-            <p:txBody>
-              <a:bodyPr rtlCol="0" anchor="ctr"/>
-              <a:lstStyle/>
-              <a:p>
-                <a:pPr marL="0" marR="0" lvl="0" indent="0" algn="ctr" defTabSz="685800" eaLnBrk="1" fontAlgn="auto" latinLnBrk="0" hangingPunct="1">
-                  <a:lnSpc>
-                    <a:spcPct val="100000"/>
-                  </a:lnSpc>
-                  <a:spcBef>
-                    <a:spcPts val="0"/>
-                  </a:spcBef>
-                  <a:spcAft>
-                    <a:spcPts val="0"/>
-                  </a:spcAft>
-                  <a:buClrTx/>
-                  <a:buSzTx/>
-                  <a:buFontTx/>
-                  <a:buNone/>
-                  <a:tabLst/>
-                  <a:defRPr/>
-                </a:pPr>
-                <a:endParaRPr kumimoji="0" lang="ja-JP" altLang="en-US" sz="1350" b="0" i="0" u="none" strike="noStrike" kern="0" cap="none" spc="0" normalizeH="0" baseline="0" noProof="0" smtClean="0">
-                  <a:ln>
-                    <a:noFill/>
-                  </a:ln>
-                  <a:solidFill>
-                    <a:prstClr val="white"/>
-                  </a:solidFill>
-                  <a:effectLst/>
-                  <a:uLnTx/>
-                  <a:uFillTx/>
-                  <a:latin typeface="Meiryo UI" panose="020B0604030504040204" pitchFamily="50" charset="-128"/>
-                  <a:ea typeface="Meiryo UI" panose="020B0604030504040204" pitchFamily="50" charset="-128"/>
-                  <a:cs typeface="+mn-cs"/>
-                </a:endParaRPr>
-              </a:p>
-            </p:txBody>
-          </p:sp>
-          <p:sp>
-            <p:nvSpPr>
-              <p:cNvPr id="161" name="フローチャート: 磁気ディスク 160"/>
-              <p:cNvSpPr/>
-              <p:nvPr/>
-            </p:nvSpPr>
-            <p:spPr>
-              <a:xfrm>
-                <a:off x="5908089" y="2868332"/>
-                <a:ext cx="494540" cy="485720"/>
-              </a:xfrm>
-              <a:prstGeom prst="flowChartMagneticDisk">
-                <a:avLst/>
-              </a:prstGeom>
-              <a:solidFill>
-                <a:srgbClr val="5B9BD5"/>
-              </a:solidFill>
-              <a:ln w="38100" cap="flat" cmpd="sng" algn="ctr">
-                <a:solidFill>
-                  <a:srgbClr val="002B62"/>
-                </a:solidFill>
-                <a:prstDash val="solid"/>
-                <a:miter lim="800000"/>
-              </a:ln>
-              <a:effectLst/>
-            </p:spPr>
-            <p:txBody>
-              <a:bodyPr rtlCol="0" anchor="ctr"/>
-              <a:lstStyle/>
-              <a:p>
-                <a:pPr marL="0" marR="0" lvl="0" indent="0" algn="ctr" defTabSz="685800" eaLnBrk="1" fontAlgn="auto" latinLnBrk="0" hangingPunct="1">
-                  <a:lnSpc>
-                    <a:spcPct val="100000"/>
-                  </a:lnSpc>
-                  <a:spcBef>
-                    <a:spcPts val="0"/>
-                  </a:spcBef>
-                  <a:spcAft>
-                    <a:spcPts val="0"/>
-                  </a:spcAft>
-                  <a:buClrTx/>
-                  <a:buSzTx/>
-                  <a:buFontTx/>
-                  <a:buNone/>
-                  <a:tabLst/>
-                  <a:defRPr/>
-                </a:pPr>
-                <a:r>
-                  <a:rPr kumimoji="0" lang="en-US" altLang="ja-JP" sz="600" kern="0" dirty="0" smtClean="0">
-                    <a:solidFill>
-                      <a:prstClr val="white"/>
-                    </a:solidFill>
-                    <a:latin typeface="Meiryo UI" panose="020B0604030504040204" pitchFamily="50" charset="-128"/>
-                    <a:ea typeface="Meiryo UI" panose="020B0604030504040204" pitchFamily="50" charset="-128"/>
-                  </a:rPr>
-                  <a:t>File </a:t>
-                </a:r>
-                <a:r>
-                  <a:rPr kumimoji="0" lang="en-US" altLang="ja-JP" sz="600" b="0" i="0" u="none" strike="noStrike" kern="0" cap="none" spc="0" normalizeH="0" baseline="0" noProof="0" dirty="0" smtClean="0">
-                    <a:ln>
-                      <a:noFill/>
-                    </a:ln>
-                    <a:solidFill>
-                      <a:prstClr val="white"/>
-                    </a:solidFill>
-                    <a:effectLst/>
-                    <a:uLnTx/>
-                    <a:uFillTx/>
-                    <a:latin typeface="Meiryo UI" panose="020B0604030504040204" pitchFamily="50" charset="-128"/>
-                    <a:ea typeface="Meiryo UI" panose="020B0604030504040204" pitchFamily="50" charset="-128"/>
-                    <a:cs typeface="+mn-cs"/>
-                  </a:rPr>
-                  <a:t>A</a:t>
-                </a:r>
-                <a:endParaRPr kumimoji="0" lang="ja-JP" altLang="en-US" sz="600" b="0" i="0" u="none" strike="noStrike" kern="0" cap="none" spc="0" normalizeH="0" baseline="0" noProof="0" dirty="0" smtClean="0">
-                  <a:ln>
-                    <a:noFill/>
-                  </a:ln>
-                  <a:solidFill>
-                    <a:prstClr val="white"/>
-                  </a:solidFill>
-                  <a:effectLst/>
-                  <a:uLnTx/>
-                  <a:uFillTx/>
-                  <a:latin typeface="Meiryo UI" panose="020B0604030504040204" pitchFamily="50" charset="-128"/>
-                  <a:ea typeface="Meiryo UI" panose="020B0604030504040204" pitchFamily="50" charset="-128"/>
-                  <a:cs typeface="+mn-cs"/>
-                </a:endParaRPr>
-              </a:p>
-            </p:txBody>
-          </p:sp>
-          <p:sp>
-            <p:nvSpPr>
-              <p:cNvPr id="162" name="角丸四角形 161"/>
-              <p:cNvSpPr/>
-              <p:nvPr/>
-            </p:nvSpPr>
-            <p:spPr>
-              <a:xfrm>
-                <a:off x="5747827" y="2440136"/>
-                <a:ext cx="1213390" cy="970960"/>
-              </a:xfrm>
-              <a:prstGeom prst="roundRect">
-                <a:avLst/>
-              </a:prstGeom>
-              <a:noFill/>
-              <a:ln w="38100" cap="flat" cmpd="sng" algn="ctr">
-                <a:solidFill>
-                  <a:srgbClr val="002B62"/>
-                </a:solidFill>
-                <a:prstDash val="solid"/>
-                <a:miter lim="800000"/>
-              </a:ln>
-              <a:effectLst/>
-            </p:spPr>
-            <p:txBody>
-              <a:bodyPr rtlCol="0" anchor="t" anchorCtr="0"/>
-              <a:lstStyle/>
-              <a:p>
-                <a:pPr marL="0" marR="0" lvl="0" indent="0" algn="ctr" defTabSz="685800" eaLnBrk="1" fontAlgn="auto" latinLnBrk="0" hangingPunct="1">
-                  <a:lnSpc>
-                    <a:spcPct val="100000"/>
-                  </a:lnSpc>
-                  <a:spcBef>
-                    <a:spcPts val="0"/>
-                  </a:spcBef>
-                  <a:spcAft>
-                    <a:spcPts val="0"/>
-                  </a:spcAft>
-                  <a:buClrTx/>
-                  <a:buSzTx/>
-                  <a:buFontTx/>
-                  <a:buNone/>
-                  <a:tabLst/>
-                  <a:defRPr/>
-                </a:pPr>
-                <a:r>
-                  <a:rPr kumimoji="0" lang="en-US" altLang="ja-JP" sz="800" b="1" i="0" u="none" strike="noStrike" kern="0" cap="none" spc="0" normalizeH="0" baseline="0" noProof="0" dirty="0" smtClean="0">
-                    <a:ln>
-                      <a:noFill/>
-                    </a:ln>
-                    <a:solidFill>
-                      <a:srgbClr val="002B62"/>
-                    </a:solidFill>
-                    <a:effectLst/>
-                    <a:uLnTx/>
-                    <a:uFillTx/>
-                    <a:latin typeface="Meiryo UI" panose="020B0604030504040204" pitchFamily="50" charset="-128"/>
-                    <a:ea typeface="Meiryo UI" panose="020B0604030504040204" pitchFamily="50" charset="-128"/>
-                    <a:cs typeface="+mn-cs"/>
-                  </a:rPr>
-                  <a:t>Cloned files</a:t>
-                </a:r>
-                <a:endParaRPr kumimoji="0" lang="ja-JP" altLang="en-US" sz="800" b="1" i="0" u="none" strike="noStrike" kern="0" cap="none" spc="0" normalizeH="0" baseline="0" noProof="0" dirty="0" smtClean="0">
-                  <a:ln>
-                    <a:noFill/>
-                  </a:ln>
-                  <a:solidFill>
-                    <a:srgbClr val="002B62"/>
-                  </a:solidFill>
-                  <a:effectLst/>
-                  <a:uLnTx/>
-                  <a:uFillTx/>
-                  <a:latin typeface="Meiryo UI" panose="020B0604030504040204" pitchFamily="50" charset="-128"/>
-                  <a:ea typeface="Meiryo UI" panose="020B0604030504040204" pitchFamily="50" charset="-128"/>
-                  <a:cs typeface="+mn-cs"/>
-                </a:endParaRPr>
-              </a:p>
-            </p:txBody>
-          </p:sp>
-        </p:grpSp>
-        <p:sp>
-          <p:nvSpPr>
-            <p:cNvPr id="159" name="角丸四角形 158"/>
-            <p:cNvSpPr/>
-            <p:nvPr/>
-          </p:nvSpPr>
-          <p:spPr>
-            <a:xfrm>
-              <a:off x="3425227" y="4959373"/>
-              <a:ext cx="1206116" cy="413897"/>
-            </a:xfrm>
-            <a:prstGeom prst="roundRect">
-              <a:avLst/>
-            </a:prstGeom>
-            <a:noFill/>
-            <a:ln w="38100" cap="flat" cmpd="sng" algn="ctr">
-              <a:solidFill>
-                <a:srgbClr val="002B62"/>
-              </a:solidFill>
-              <a:prstDash val="solid"/>
-              <a:miter lim="800000"/>
-            </a:ln>
-            <a:effectLst/>
-          </p:spPr>
-          <p:txBody>
-            <a:bodyPr rtlCol="0" anchor="ctr" anchorCtr="0"/>
-            <a:lstStyle/>
-            <a:p>
-              <a:pPr marL="0" marR="0" lvl="0" indent="0" algn="ctr" defTabSz="685800" eaLnBrk="1" fontAlgn="auto" latinLnBrk="0" hangingPunct="1">
-                <a:lnSpc>
-                  <a:spcPct val="100000"/>
-                </a:lnSpc>
-                <a:spcBef>
-                  <a:spcPts val="0"/>
-                </a:spcBef>
-                <a:spcAft>
-                  <a:spcPts val="0"/>
-                </a:spcAft>
-                <a:buClrTx/>
-                <a:buSzTx/>
-                <a:buFontTx/>
-                <a:buNone/>
-                <a:tabLst/>
-                <a:defRPr/>
-              </a:pPr>
-              <a:r>
-                <a:rPr kumimoji="0" lang="en-US" altLang="ja-JP" sz="1000" b="1" kern="0" dirty="0" smtClean="0">
-                  <a:solidFill>
-                    <a:srgbClr val="002B62"/>
-                  </a:solidFill>
-                  <a:latin typeface="Meiryo UI" panose="020B0604030504040204" pitchFamily="50" charset="-128"/>
-                  <a:ea typeface="Meiryo UI" panose="020B0604030504040204" pitchFamily="50" charset="-128"/>
-                </a:rPr>
-                <a:t>Execute</a:t>
-              </a:r>
-              <a:endParaRPr kumimoji="0" lang="ja-JP" altLang="en-US" sz="1000" b="1" i="0" u="none" strike="noStrike" kern="0" cap="none" spc="0" normalizeH="0" baseline="0" noProof="0" dirty="0" smtClean="0">
-                <a:ln>
-                  <a:noFill/>
-                </a:ln>
-                <a:solidFill>
-                  <a:srgbClr val="002B62"/>
-                </a:solidFill>
-                <a:effectLst/>
-                <a:uLnTx/>
-                <a:uFillTx/>
-                <a:latin typeface="Meiryo UI" panose="020B0604030504040204" pitchFamily="50" charset="-128"/>
-                <a:ea typeface="Meiryo UI" panose="020B0604030504040204" pitchFamily="50" charset="-128"/>
-                <a:cs typeface="+mn-cs"/>
-              </a:endParaRPr>
-            </a:p>
-          </p:txBody>
-        </p:sp>
-      </p:grpSp>
-      <p:sp>
-        <p:nvSpPr>
-          <p:cNvPr id="163" name="屈折矢印 162"/>
-          <p:cNvSpPr/>
-          <p:nvPr/>
-        </p:nvSpPr>
-        <p:spPr>
-          <a:xfrm rot="5400000">
-            <a:off x="5983398" y="3583925"/>
-            <a:ext cx="771653" cy="867936"/>
-          </a:xfrm>
-          <a:prstGeom prst="bentUpArrow">
-            <a:avLst/>
-          </a:prstGeom>
-          <a:solidFill>
-            <a:srgbClr val="FFC000"/>
-          </a:solidFill>
-          <a:ln w="12700" cap="flat" cmpd="sng" algn="ctr">
-            <a:noFill/>
-            <a:prstDash val="solid"/>
-            <a:miter lim="800000"/>
-          </a:ln>
-          <a:effectLst/>
-        </p:spPr>
-        <p:txBody>
-          <a:bodyPr rtlCol="0" anchor="ctr"/>
-          <a:lstStyle/>
-          <a:p>
-            <a:pPr marL="0" marR="0" lvl="0" indent="0" algn="ctr" defTabSz="685800" eaLnBrk="1" fontAlgn="auto" latinLnBrk="0" hangingPunct="1">
-              <a:lnSpc>
-                <a:spcPct val="100000"/>
-              </a:lnSpc>
-              <a:spcBef>
-                <a:spcPts val="0"/>
-              </a:spcBef>
-              <a:spcAft>
-                <a:spcPts val="0"/>
-              </a:spcAft>
-              <a:buClrTx/>
-              <a:buSzTx/>
-              <a:buFontTx/>
-              <a:buNone/>
-              <a:tabLst/>
-              <a:defRPr/>
-            </a:pPr>
-            <a:endParaRPr kumimoji="0" lang="ja-JP" altLang="en-US" sz="1350" b="0" i="0" u="none" strike="noStrike" kern="0" cap="none" spc="0" normalizeH="0" baseline="0" noProof="0" dirty="0" smtClean="0">
-              <a:ln>
-                <a:noFill/>
-              </a:ln>
-              <a:solidFill>
-                <a:prstClr val="white"/>
-              </a:solidFill>
-              <a:effectLst/>
-              <a:uLnTx/>
-              <a:uFillTx/>
-              <a:latin typeface="Meiryo UI" panose="020B0604030504040204" pitchFamily="50" charset="-128"/>
-              <a:ea typeface="Meiryo UI" panose="020B0604030504040204" pitchFamily="50" charset="-128"/>
-              <a:cs typeface="+mn-cs"/>
-            </a:endParaRPr>
-          </a:p>
-        </p:txBody>
-      </p:sp>
-      <p:sp>
-        <p:nvSpPr>
-          <p:cNvPr id="164" name="屈折矢印 163"/>
-          <p:cNvSpPr/>
-          <p:nvPr/>
-        </p:nvSpPr>
-        <p:spPr>
-          <a:xfrm rot="5400000">
-            <a:off x="5983399" y="4182378"/>
-            <a:ext cx="771652" cy="867936"/>
-          </a:xfrm>
-          <a:prstGeom prst="bentUpArrow">
-            <a:avLst/>
-          </a:prstGeom>
-          <a:solidFill>
-            <a:srgbClr val="FFC000"/>
-          </a:solidFill>
-          <a:ln w="12700" cap="flat" cmpd="sng" algn="ctr">
-            <a:noFill/>
-            <a:prstDash val="solid"/>
-            <a:miter lim="800000"/>
-          </a:ln>
-          <a:effectLst/>
-        </p:spPr>
-        <p:txBody>
-          <a:bodyPr rtlCol="0" anchor="ctr"/>
-          <a:lstStyle/>
-          <a:p>
-            <a:pPr marL="0" marR="0" lvl="0" indent="0" algn="ctr" defTabSz="685800" eaLnBrk="1" fontAlgn="auto" latinLnBrk="0" hangingPunct="1">
-              <a:lnSpc>
-                <a:spcPct val="100000"/>
-              </a:lnSpc>
-              <a:spcBef>
-                <a:spcPts val="0"/>
-              </a:spcBef>
-              <a:spcAft>
-                <a:spcPts val="0"/>
-              </a:spcAft>
-              <a:buClrTx/>
-              <a:buSzTx/>
-              <a:buFontTx/>
-              <a:buNone/>
-              <a:tabLst/>
-              <a:defRPr/>
-            </a:pPr>
-            <a:endParaRPr kumimoji="0" lang="ja-JP" altLang="en-US" sz="1350" b="0" i="0" u="none" strike="noStrike" kern="0" cap="none" spc="0" normalizeH="0" baseline="0" noProof="0" smtClean="0">
-              <a:ln>
-                <a:noFill/>
-              </a:ln>
-              <a:solidFill>
-                <a:prstClr val="white"/>
-              </a:solidFill>
-              <a:effectLst/>
-              <a:uLnTx/>
-              <a:uFillTx/>
-              <a:latin typeface="Meiryo UI" panose="020B0604030504040204" pitchFamily="50" charset="-128"/>
-              <a:ea typeface="Meiryo UI" panose="020B0604030504040204" pitchFamily="50" charset="-128"/>
-              <a:cs typeface="+mn-cs"/>
-            </a:endParaRPr>
-          </a:p>
-        </p:txBody>
-      </p:sp>
-      <p:sp>
-        <p:nvSpPr>
-          <p:cNvPr id="155" name="右矢印 154"/>
-          <p:cNvSpPr/>
-          <p:nvPr/>
-        </p:nvSpPr>
-        <p:spPr>
-          <a:xfrm>
-            <a:off x="7817998" y="4641974"/>
-            <a:ext cx="406106" cy="426863"/>
-          </a:xfrm>
-          <a:prstGeom prst="rightArrow">
-            <a:avLst/>
-          </a:prstGeom>
-          <a:solidFill>
-            <a:srgbClr val="FFC000"/>
-          </a:solidFill>
-          <a:ln w="12700" cap="flat" cmpd="sng" algn="ctr">
-            <a:noFill/>
-            <a:prstDash val="solid"/>
-            <a:miter lim="800000"/>
-          </a:ln>
-          <a:effectLst/>
-        </p:spPr>
-        <p:txBody>
-          <a:bodyPr rtlCol="0" anchor="ctr"/>
-          <a:lstStyle/>
-          <a:p>
-            <a:pPr marL="0" marR="0" lvl="0" indent="0" algn="ctr" defTabSz="685800" eaLnBrk="1" fontAlgn="auto" latinLnBrk="0" hangingPunct="1">
-              <a:lnSpc>
-                <a:spcPct val="100000"/>
-              </a:lnSpc>
-              <a:spcBef>
-                <a:spcPts val="0"/>
-              </a:spcBef>
-              <a:spcAft>
-                <a:spcPts val="0"/>
-              </a:spcAft>
-              <a:buClrTx/>
-              <a:buSzTx/>
-              <a:buFontTx/>
-              <a:buNone/>
-              <a:tabLst/>
-              <a:defRPr/>
-            </a:pPr>
-            <a:endParaRPr kumimoji="0" lang="ja-JP" altLang="en-US" sz="1350" b="0" i="0" u="none" strike="noStrike" kern="0" cap="none" spc="0" normalizeH="0" baseline="0" noProof="0" smtClean="0">
-              <a:ln>
-                <a:noFill/>
-              </a:ln>
-              <a:solidFill>
-                <a:prstClr val="white"/>
-              </a:solidFill>
-              <a:effectLst/>
-              <a:uLnTx/>
-              <a:uFillTx/>
-              <a:latin typeface="游ゴシック" panose="020F0502020204030204"/>
-              <a:ea typeface="游ゴシック" panose="020B0400000000000000" pitchFamily="50" charset="-128"/>
-              <a:cs typeface="+mn-cs"/>
-            </a:endParaRPr>
-          </a:p>
-        </p:txBody>
-      </p:sp>
-      <p:sp>
-        <p:nvSpPr>
           <p:cNvPr id="38" name="タイトル 1"/>
           <p:cNvSpPr>
             <a:spLocks noGrp="1"/>
@@ -17725,6 +16347,1695 @@
           </a:p>
         </p:txBody>
       </p:sp>
+      <p:sp>
+        <p:nvSpPr>
+          <p:cNvPr id="42" name="角丸四角形 41"/>
+          <p:cNvSpPr/>
+          <p:nvPr/>
+        </p:nvSpPr>
+        <p:spPr bwMode="auto">
+          <a:xfrm>
+            <a:off x="5940190" y="2131967"/>
+            <a:ext cx="3023323" cy="2670089"/>
+          </a:xfrm>
+          <a:prstGeom prst="roundRect">
+            <a:avLst>
+              <a:gd name="adj" fmla="val 3359"/>
+            </a:avLst>
+          </a:prstGeom>
+          <a:noFill/>
+          <a:ln w="28575">
+            <a:solidFill>
+              <a:schemeClr val="accent6"/>
+            </a:solidFill>
+          </a:ln>
+          <a:effectLst/>
+          <a:extLst/>
+        </p:spPr>
+        <p:txBody>
+          <a:bodyPr rot="0" spcFirstLastPara="0" vertOverflow="overflow" horzOverflow="overflow" vert="horz" wrap="none" lIns="72000" tIns="72000" rIns="72000" bIns="72000" numCol="1" spcCol="0" rtlCol="0" fromWordArt="0" anchor="t" anchorCtr="0" forceAA="0" compatLnSpc="1">
+            <a:prstTxWarp prst="textNoShape">
+              <a:avLst/>
+            </a:prstTxWarp>
+            <a:noAutofit/>
+          </a:bodyPr>
+          <a:lstStyle/>
+          <a:p>
+            <a:pPr algn="ctr"/>
+            <a:r>
+              <a:rPr kumimoji="1" lang="en-US" altLang="ja-JP" sz="1000" b="1" dirty="0" smtClean="0">
+                <a:latin typeface="+mn-ea"/>
+              </a:rPr>
+              <a:t>Exastro</a:t>
+            </a:r>
+            <a:r>
+              <a:rPr kumimoji="1" lang="ja-JP" altLang="en-US" sz="1000" b="1" dirty="0" smtClean="0">
+                <a:latin typeface="+mn-ea"/>
+              </a:rPr>
+              <a:t> </a:t>
+            </a:r>
+            <a:r>
+              <a:rPr kumimoji="1" lang="en-US" altLang="ja-JP" sz="1000" b="1" dirty="0" smtClean="0">
+                <a:latin typeface="+mn-ea"/>
+              </a:rPr>
+              <a:t>ITA</a:t>
+            </a:r>
+            <a:r>
+              <a:rPr lang="ja-JP" altLang="en-US" sz="1000" b="1" dirty="0">
+                <a:latin typeface="+mn-ea"/>
+              </a:rPr>
+              <a:t> </a:t>
+            </a:r>
+            <a:r>
+              <a:rPr lang="en-US" altLang="ja-JP" sz="1000" b="1" dirty="0" smtClean="0">
+                <a:latin typeface="+mn-ea"/>
+              </a:rPr>
+              <a:t>server</a:t>
+            </a:r>
+            <a:endParaRPr kumimoji="1" lang="ja-JP" altLang="en-US" sz="1000" b="1" dirty="0" smtClean="0">
+              <a:latin typeface="+mn-ea"/>
+            </a:endParaRPr>
+          </a:p>
+        </p:txBody>
+      </p:sp>
+      <p:sp>
+        <p:nvSpPr>
+          <p:cNvPr id="45" name="角丸四角形 44"/>
+          <p:cNvSpPr/>
+          <p:nvPr/>
+        </p:nvSpPr>
+        <p:spPr bwMode="auto">
+          <a:xfrm>
+            <a:off x="7561602" y="2898192"/>
+            <a:ext cx="1193290" cy="794498"/>
+          </a:xfrm>
+          <a:prstGeom prst="roundRect">
+            <a:avLst/>
+          </a:prstGeom>
+          <a:noFill/>
+          <a:ln w="28575">
+            <a:solidFill>
+              <a:schemeClr val="accent6"/>
+            </a:solidFill>
+          </a:ln>
+          <a:effectLst/>
+          <a:extLst/>
+        </p:spPr>
+        <p:txBody>
+          <a:bodyPr rot="0" spcFirstLastPara="0" vertOverflow="overflow" horzOverflow="overflow" vert="horz" wrap="none" lIns="72000" tIns="72000" rIns="72000" bIns="72000" numCol="1" spcCol="0" rtlCol="0" fromWordArt="0" anchor="t" anchorCtr="0" forceAA="0" compatLnSpc="1">
+            <a:prstTxWarp prst="textNoShape">
+              <a:avLst/>
+            </a:prstTxWarp>
+            <a:noAutofit/>
+          </a:bodyPr>
+          <a:lstStyle/>
+          <a:p>
+            <a:pPr algn="ctr"/>
+            <a:r>
+              <a:rPr kumimoji="1" lang="en-US" altLang="ja-JP" sz="1000" b="1" dirty="0" smtClean="0">
+                <a:latin typeface="+mn-ea"/>
+              </a:rPr>
+              <a:t>Playbook</a:t>
+            </a:r>
+            <a:r>
+              <a:rPr lang="ja-JP" altLang="en-US" sz="1000" b="1" dirty="0">
+                <a:latin typeface="+mn-ea"/>
+              </a:rPr>
+              <a:t> </a:t>
+            </a:r>
+            <a:r>
+              <a:rPr lang="en-US" altLang="ja-JP" sz="1000" b="1" dirty="0" smtClean="0">
+                <a:latin typeface="+mn-ea"/>
+              </a:rPr>
+              <a:t>link</a:t>
+            </a:r>
+            <a:endParaRPr kumimoji="1" lang="ja-JP" altLang="en-US" sz="1000" b="1" dirty="0" smtClean="0">
+              <a:latin typeface="+mn-ea"/>
+            </a:endParaRPr>
+          </a:p>
+        </p:txBody>
+      </p:sp>
+      <p:sp>
+        <p:nvSpPr>
+          <p:cNvPr id="48" name="円柱 47"/>
+          <p:cNvSpPr/>
+          <p:nvPr/>
+        </p:nvSpPr>
+        <p:spPr bwMode="auto">
+          <a:xfrm>
+            <a:off x="4388906" y="2843636"/>
+            <a:ext cx="961786" cy="1048896"/>
+          </a:xfrm>
+          <a:prstGeom prst="can">
+            <a:avLst>
+              <a:gd name="adj" fmla="val 15813"/>
+            </a:avLst>
+          </a:prstGeom>
+          <a:noFill/>
+          <a:ln w="28575">
+            <a:solidFill>
+              <a:schemeClr val="accent6"/>
+            </a:solidFill>
+          </a:ln>
+          <a:effectLst/>
+          <a:extLst/>
+        </p:spPr>
+        <p:txBody>
+          <a:bodyPr rot="0" spcFirstLastPara="0" vertOverflow="overflow" horzOverflow="overflow" vert="horz" wrap="none" lIns="72000" tIns="72000" rIns="72000" bIns="72000" numCol="1" spcCol="0" rtlCol="0" fromWordArt="0" anchor="t" anchorCtr="0" forceAA="0" compatLnSpc="1">
+            <a:prstTxWarp prst="textNoShape">
+              <a:avLst/>
+            </a:prstTxWarp>
+            <a:noAutofit/>
+          </a:bodyPr>
+          <a:lstStyle/>
+          <a:p>
+            <a:pPr algn="ctr"/>
+            <a:r>
+              <a:rPr kumimoji="1" lang="en-US" altLang="ja-JP" sz="1000" b="1" dirty="0" err="1" smtClean="0">
+                <a:latin typeface="+mn-ea"/>
+              </a:rPr>
+              <a:t>Git</a:t>
+            </a:r>
+            <a:r>
+              <a:rPr lang="ja-JP" altLang="en-US" sz="1000" b="1" dirty="0">
+                <a:latin typeface="+mn-ea"/>
+              </a:rPr>
+              <a:t> </a:t>
+            </a:r>
+            <a:r>
+              <a:rPr lang="en-US" altLang="ja-JP" sz="1000" b="1" dirty="0" smtClean="0">
+                <a:latin typeface="+mn-ea"/>
+              </a:rPr>
+              <a:t>repository</a:t>
+            </a:r>
+            <a:endParaRPr kumimoji="1" lang="ja-JP" altLang="en-US" sz="1000" b="1" dirty="0" smtClean="0">
+              <a:latin typeface="+mn-ea"/>
+            </a:endParaRPr>
+          </a:p>
+        </p:txBody>
+      </p:sp>
+      <p:pic>
+        <p:nvPicPr>
+          <p:cNvPr id="49" name="図 48"/>
+          <p:cNvPicPr>
+            <a:picLocks noChangeAspect="1"/>
+          </p:cNvPicPr>
+          <p:nvPr/>
+        </p:nvPicPr>
+        <p:blipFill rotWithShape="1">
+          <a:blip r:embed="rId2">
+            <a:extLst>
+              <a:ext uri="{28A0092B-C50C-407E-A947-70E740481C1C}">
+                <a14:useLocalDpi xmlns:a14="http://schemas.microsoft.com/office/drawing/2010/main" val="0"/>
+              </a:ext>
+            </a:extLst>
+          </a:blip>
+          <a:srcRect l="-10097" t="-10097" r="-10097" b="-10097"/>
+          <a:stretch/>
+        </p:blipFill>
+        <p:spPr>
+          <a:xfrm>
+            <a:off x="4172557" y="2594211"/>
+            <a:ext cx="387864" cy="387864"/>
+          </a:xfrm>
+          <a:prstGeom prst="rect">
+            <a:avLst/>
+          </a:prstGeom>
+          <a:solidFill>
+            <a:schemeClr val="bg1"/>
+          </a:solidFill>
+          <a:ln w="22225">
+            <a:solidFill>
+              <a:schemeClr val="accent6"/>
+            </a:solidFill>
+          </a:ln>
+        </p:spPr>
+      </p:pic>
+      <p:sp>
+        <p:nvSpPr>
+          <p:cNvPr id="50" name="フローチャート: 書類 49"/>
+          <p:cNvSpPr/>
+          <p:nvPr/>
+        </p:nvSpPr>
+        <p:spPr bwMode="auto">
+          <a:xfrm>
+            <a:off x="6379600" y="3429669"/>
+            <a:ext cx="561430" cy="339692"/>
+          </a:xfrm>
+          <a:prstGeom prst="flowChartDocument">
+            <a:avLst/>
+          </a:prstGeom>
+          <a:solidFill>
+            <a:schemeClr val="accent6">
+              <a:lumMod val="25000"/>
+              <a:lumOff val="75000"/>
+            </a:schemeClr>
+          </a:solidFill>
+          <a:ln w="12700">
+            <a:solidFill>
+              <a:schemeClr val="tx1"/>
+            </a:solidFill>
+          </a:ln>
+          <a:effectLst/>
+          <a:extLst/>
+        </p:spPr>
+        <p:txBody>
+          <a:bodyPr rot="0" spcFirstLastPara="0" vertOverflow="overflow" horzOverflow="overflow" vert="horz" wrap="none" lIns="72000" tIns="72000" rIns="72000" bIns="72000" numCol="1" spcCol="0" rtlCol="0" fromWordArt="0" anchor="ctr" anchorCtr="0" forceAA="0" compatLnSpc="1">
+            <a:prstTxWarp prst="textNoShape">
+              <a:avLst/>
+            </a:prstTxWarp>
+            <a:noAutofit/>
+          </a:bodyPr>
+          <a:lstStyle/>
+          <a:p>
+            <a:pPr algn="ctr"/>
+            <a:r>
+              <a:rPr lang="en-US" altLang="ja-JP" sz="1000" b="1" dirty="0" smtClean="0">
+                <a:latin typeface="+mn-ea"/>
+              </a:rPr>
+              <a:t>File </a:t>
+            </a:r>
+            <a:r>
+              <a:rPr kumimoji="1" lang="en-US" altLang="ja-JP" sz="1000" b="1" dirty="0" smtClean="0">
+                <a:latin typeface="+mn-ea"/>
+              </a:rPr>
+              <a:t>A</a:t>
+            </a:r>
+            <a:endParaRPr kumimoji="1" lang="ja-JP" altLang="en-US" sz="1000" b="1" dirty="0" smtClean="0">
+              <a:latin typeface="+mn-ea"/>
+            </a:endParaRPr>
+          </a:p>
+        </p:txBody>
+      </p:sp>
+      <p:sp>
+        <p:nvSpPr>
+          <p:cNvPr id="53" name="フローチャート: 書類 52"/>
+          <p:cNvSpPr/>
+          <p:nvPr/>
+        </p:nvSpPr>
+        <p:spPr bwMode="auto">
+          <a:xfrm>
+            <a:off x="4623112" y="3411147"/>
+            <a:ext cx="561430" cy="339692"/>
+          </a:xfrm>
+          <a:prstGeom prst="flowChartDocument">
+            <a:avLst/>
+          </a:prstGeom>
+          <a:solidFill>
+            <a:schemeClr val="accent6">
+              <a:lumMod val="25000"/>
+              <a:lumOff val="75000"/>
+            </a:schemeClr>
+          </a:solidFill>
+          <a:ln w="12700">
+            <a:solidFill>
+              <a:schemeClr val="tx1"/>
+            </a:solidFill>
+          </a:ln>
+          <a:effectLst/>
+          <a:extLst/>
+        </p:spPr>
+        <p:txBody>
+          <a:bodyPr rot="0" spcFirstLastPara="0" vertOverflow="overflow" horzOverflow="overflow" vert="horz" wrap="none" lIns="72000" tIns="72000" rIns="72000" bIns="72000" numCol="1" spcCol="0" rtlCol="0" fromWordArt="0" anchor="ctr" anchorCtr="0" forceAA="0" compatLnSpc="1">
+            <a:prstTxWarp prst="textNoShape">
+              <a:avLst/>
+            </a:prstTxWarp>
+            <a:noAutofit/>
+          </a:bodyPr>
+          <a:lstStyle/>
+          <a:p>
+            <a:pPr algn="ctr"/>
+            <a:r>
+              <a:rPr lang="en-US" altLang="ja-JP" sz="1000" b="1" dirty="0" smtClean="0">
+                <a:latin typeface="+mn-ea"/>
+              </a:rPr>
+              <a:t>File </a:t>
+            </a:r>
+            <a:r>
+              <a:rPr kumimoji="1" lang="en-US" altLang="ja-JP" sz="1000" b="1" dirty="0" smtClean="0">
+                <a:latin typeface="+mn-ea"/>
+              </a:rPr>
+              <a:t>A</a:t>
+            </a:r>
+            <a:endParaRPr kumimoji="1" lang="ja-JP" altLang="en-US" sz="1000" b="1" dirty="0" smtClean="0">
+              <a:latin typeface="+mn-ea"/>
+            </a:endParaRPr>
+          </a:p>
+        </p:txBody>
+      </p:sp>
+      <p:sp>
+        <p:nvSpPr>
+          <p:cNvPr id="54" name="フローチャート: 書類 53"/>
+          <p:cNvSpPr/>
+          <p:nvPr/>
+        </p:nvSpPr>
+        <p:spPr bwMode="auto">
+          <a:xfrm>
+            <a:off x="7884951" y="3241356"/>
+            <a:ext cx="561430" cy="339692"/>
+          </a:xfrm>
+          <a:prstGeom prst="flowChartDocument">
+            <a:avLst/>
+          </a:prstGeom>
+          <a:solidFill>
+            <a:schemeClr val="accent6">
+              <a:lumMod val="25000"/>
+              <a:lumOff val="75000"/>
+            </a:schemeClr>
+          </a:solidFill>
+          <a:ln w="12700">
+            <a:solidFill>
+              <a:schemeClr val="tx1"/>
+            </a:solidFill>
+          </a:ln>
+          <a:effectLst/>
+          <a:extLst/>
+        </p:spPr>
+        <p:txBody>
+          <a:bodyPr rot="0" spcFirstLastPara="0" vertOverflow="overflow" horzOverflow="overflow" vert="horz" wrap="none" lIns="72000" tIns="72000" rIns="72000" bIns="72000" numCol="1" spcCol="0" rtlCol="0" fromWordArt="0" anchor="ctr" anchorCtr="0" forceAA="0" compatLnSpc="1">
+            <a:prstTxWarp prst="textNoShape">
+              <a:avLst/>
+            </a:prstTxWarp>
+            <a:noAutofit/>
+          </a:bodyPr>
+          <a:lstStyle/>
+          <a:p>
+            <a:pPr algn="ctr"/>
+            <a:r>
+              <a:rPr lang="en-US" altLang="ja-JP" sz="1000" b="1" dirty="0" smtClean="0">
+                <a:latin typeface="+mn-ea"/>
+              </a:rPr>
+              <a:t>File </a:t>
+            </a:r>
+            <a:r>
+              <a:rPr lang="en-US" altLang="ja-JP" sz="1000" b="1" dirty="0" smtClean="0">
+                <a:latin typeface="+mn-ea"/>
+              </a:rPr>
+              <a:t>A</a:t>
+            </a:r>
+            <a:r>
+              <a:rPr lang="en-US" altLang="ja-JP" sz="1000" b="1" dirty="0" smtClean="0">
+                <a:latin typeface="+mn-ea"/>
+              </a:rPr>
+              <a:t>’</a:t>
+            </a:r>
+            <a:endParaRPr kumimoji="1" lang="ja-JP" altLang="en-US" sz="1000" b="1" dirty="0" smtClean="0">
+              <a:latin typeface="+mn-ea"/>
+            </a:endParaRPr>
+          </a:p>
+        </p:txBody>
+      </p:sp>
+      <p:sp>
+        <p:nvSpPr>
+          <p:cNvPr id="55" name="角丸四角形 54"/>
+          <p:cNvSpPr/>
+          <p:nvPr/>
+        </p:nvSpPr>
+        <p:spPr bwMode="auto">
+          <a:xfrm>
+            <a:off x="6058595" y="2454840"/>
+            <a:ext cx="1281448" cy="1885285"/>
+          </a:xfrm>
+          <a:prstGeom prst="roundRect">
+            <a:avLst>
+              <a:gd name="adj" fmla="val 3359"/>
+            </a:avLst>
+          </a:prstGeom>
+          <a:noFill/>
+          <a:ln w="12700">
+            <a:solidFill>
+              <a:schemeClr val="accent6"/>
+            </a:solidFill>
+            <a:prstDash val="sysDash"/>
+          </a:ln>
+          <a:effectLst/>
+          <a:extLst/>
+        </p:spPr>
+        <p:txBody>
+          <a:bodyPr rot="0" spcFirstLastPara="0" vertOverflow="overflow" horzOverflow="overflow" vert="horz" wrap="none" lIns="72000" tIns="72000" rIns="72000" bIns="72000" numCol="1" spcCol="0" rtlCol="0" fromWordArt="0" anchor="t" anchorCtr="0" forceAA="0" compatLnSpc="1">
+            <a:prstTxWarp prst="textNoShape">
+              <a:avLst/>
+            </a:prstTxWarp>
+            <a:noAutofit/>
+          </a:bodyPr>
+          <a:lstStyle/>
+          <a:p>
+            <a:pPr algn="ctr"/>
+            <a:r>
+              <a:rPr lang="en-US" altLang="ja-JP" sz="1000" b="1"/>
+              <a:t>CI/CD for IaC</a:t>
+            </a:r>
+            <a:endParaRPr kumimoji="1" lang="ja-JP" altLang="en-US" sz="1000" b="1" dirty="0" smtClean="0">
+              <a:latin typeface="+mn-ea"/>
+            </a:endParaRPr>
+          </a:p>
+        </p:txBody>
+      </p:sp>
+      <p:sp>
+        <p:nvSpPr>
+          <p:cNvPr id="56" name="角丸四角形 55"/>
+          <p:cNvSpPr/>
+          <p:nvPr/>
+        </p:nvSpPr>
+        <p:spPr bwMode="auto">
+          <a:xfrm>
+            <a:off x="7457763" y="2454839"/>
+            <a:ext cx="1391999" cy="2154197"/>
+          </a:xfrm>
+          <a:prstGeom prst="roundRect">
+            <a:avLst>
+              <a:gd name="adj" fmla="val 3359"/>
+            </a:avLst>
+          </a:prstGeom>
+          <a:noFill/>
+          <a:ln w="12700">
+            <a:solidFill>
+              <a:schemeClr val="accent6"/>
+            </a:solidFill>
+            <a:prstDash val="sysDash"/>
+          </a:ln>
+          <a:effectLst/>
+          <a:extLst/>
+        </p:spPr>
+        <p:txBody>
+          <a:bodyPr rot="0" spcFirstLastPara="0" vertOverflow="overflow" horzOverflow="overflow" vert="horz" wrap="none" lIns="72000" tIns="72000" rIns="72000" bIns="72000" numCol="1" spcCol="0" rtlCol="0" fromWordArt="0" anchor="t" anchorCtr="0" forceAA="0" compatLnSpc="1">
+            <a:prstTxWarp prst="textNoShape">
+              <a:avLst/>
+            </a:prstTxWarp>
+            <a:noAutofit/>
+          </a:bodyPr>
+          <a:lstStyle/>
+          <a:p>
+            <a:pPr algn="ctr"/>
+            <a:r>
+              <a:rPr lang="en-US" altLang="ja-JP" sz="1000" b="1" dirty="0" smtClean="0">
+                <a:latin typeface="+mn-ea"/>
+              </a:rPr>
+              <a:t>Ansible-Legacy</a:t>
+            </a:r>
+          </a:p>
+          <a:p>
+            <a:pPr algn="ctr"/>
+            <a:r>
+              <a:rPr lang="en-US" altLang="ja-JP" sz="1000" b="1" dirty="0" smtClean="0">
+                <a:latin typeface="+mn-ea"/>
+              </a:rPr>
+              <a:t>driver</a:t>
+            </a:r>
+            <a:endParaRPr kumimoji="1" lang="ja-JP" altLang="en-US" sz="1000" b="1" dirty="0" smtClean="0">
+              <a:latin typeface="+mn-ea"/>
+            </a:endParaRPr>
+          </a:p>
+        </p:txBody>
+      </p:sp>
+      <p:grpSp>
+        <p:nvGrpSpPr>
+          <p:cNvPr id="57" name="グループ化 56"/>
+          <p:cNvGrpSpPr>
+            <a:grpSpLocks noChangeAspect="1"/>
+          </p:cNvGrpSpPr>
+          <p:nvPr/>
+        </p:nvGrpSpPr>
+        <p:grpSpPr bwMode="gray">
+          <a:xfrm>
+            <a:off x="7920221" y="5093356"/>
+            <a:ext cx="476051" cy="819427"/>
+            <a:chOff x="5936837" y="1169393"/>
+            <a:chExt cx="484187" cy="833438"/>
+          </a:xfrm>
+        </p:grpSpPr>
+        <p:sp>
+          <p:nvSpPr>
+            <p:cNvPr id="58" name="Freeform 22"/>
+            <p:cNvSpPr>
+              <a:spLocks noChangeAspect="1"/>
+            </p:cNvSpPr>
+            <p:nvPr/>
+          </p:nvSpPr>
+          <p:spPr bwMode="gray">
+            <a:xfrm>
+              <a:off x="5936837" y="1169393"/>
+              <a:ext cx="484187" cy="833438"/>
+            </a:xfrm>
+            <a:custGeom>
+              <a:avLst/>
+              <a:gdLst>
+                <a:gd name="T0" fmla="*/ 642 w 642"/>
+                <a:gd name="T1" fmla="*/ 1081 h 1107"/>
+                <a:gd name="T2" fmla="*/ 615 w 642"/>
+                <a:gd name="T3" fmla="*/ 1107 h 1107"/>
+                <a:gd name="T4" fmla="*/ 27 w 642"/>
+                <a:gd name="T5" fmla="*/ 1107 h 1107"/>
+                <a:gd name="T6" fmla="*/ 0 w 642"/>
+                <a:gd name="T7" fmla="*/ 1081 h 1107"/>
+                <a:gd name="T8" fmla="*/ 0 w 642"/>
+                <a:gd name="T9" fmla="*/ 27 h 1107"/>
+                <a:gd name="T10" fmla="*/ 27 w 642"/>
+                <a:gd name="T11" fmla="*/ 0 h 1107"/>
+                <a:gd name="T12" fmla="*/ 615 w 642"/>
+                <a:gd name="T13" fmla="*/ 0 h 1107"/>
+                <a:gd name="T14" fmla="*/ 642 w 642"/>
+                <a:gd name="T15" fmla="*/ 27 h 1107"/>
+                <a:gd name="T16" fmla="*/ 642 w 642"/>
+                <a:gd name="T17" fmla="*/ 1081 h 1107"/>
+              </a:gdLst>
+              <a:ahLst/>
+              <a:cxnLst>
+                <a:cxn ang="0">
+                  <a:pos x="T0" y="T1"/>
+                </a:cxn>
+                <a:cxn ang="0">
+                  <a:pos x="T2" y="T3"/>
+                </a:cxn>
+                <a:cxn ang="0">
+                  <a:pos x="T4" y="T5"/>
+                </a:cxn>
+                <a:cxn ang="0">
+                  <a:pos x="T6" y="T7"/>
+                </a:cxn>
+                <a:cxn ang="0">
+                  <a:pos x="T8" y="T9"/>
+                </a:cxn>
+                <a:cxn ang="0">
+                  <a:pos x="T10" y="T11"/>
+                </a:cxn>
+                <a:cxn ang="0">
+                  <a:pos x="T12" y="T13"/>
+                </a:cxn>
+                <a:cxn ang="0">
+                  <a:pos x="T14" y="T15"/>
+                </a:cxn>
+                <a:cxn ang="0">
+                  <a:pos x="T16" y="T17"/>
+                </a:cxn>
+              </a:cxnLst>
+              <a:rect l="0" t="0" r="r" b="b"/>
+              <a:pathLst>
+                <a:path w="642" h="1107">
+                  <a:moveTo>
+                    <a:pt x="642" y="1081"/>
+                  </a:moveTo>
+                  <a:cubicBezTo>
+                    <a:pt x="642" y="1095"/>
+                    <a:pt x="630" y="1107"/>
+                    <a:pt x="615" y="1107"/>
+                  </a:cubicBezTo>
+                  <a:cubicBezTo>
+                    <a:pt x="27" y="1107"/>
+                    <a:pt x="27" y="1107"/>
+                    <a:pt x="27" y="1107"/>
+                  </a:cubicBezTo>
+                  <a:cubicBezTo>
+                    <a:pt x="12" y="1107"/>
+                    <a:pt x="0" y="1095"/>
+                    <a:pt x="0" y="1081"/>
+                  </a:cubicBezTo>
+                  <a:cubicBezTo>
+                    <a:pt x="0" y="27"/>
+                    <a:pt x="0" y="27"/>
+                    <a:pt x="0" y="27"/>
+                  </a:cubicBezTo>
+                  <a:cubicBezTo>
+                    <a:pt x="0" y="12"/>
+                    <a:pt x="12" y="0"/>
+                    <a:pt x="27" y="0"/>
+                  </a:cubicBezTo>
+                  <a:cubicBezTo>
+                    <a:pt x="615" y="0"/>
+                    <a:pt x="615" y="0"/>
+                    <a:pt x="615" y="0"/>
+                  </a:cubicBezTo>
+                  <a:cubicBezTo>
+                    <a:pt x="630" y="0"/>
+                    <a:pt x="642" y="12"/>
+                    <a:pt x="642" y="27"/>
+                  </a:cubicBezTo>
+                  <a:lnTo>
+                    <a:pt x="642" y="1081"/>
+                  </a:lnTo>
+                  <a:close/>
+                </a:path>
+              </a:pathLst>
+            </a:custGeom>
+            <a:solidFill>
+              <a:schemeClr val="accent6"/>
+            </a:solidFill>
+            <a:ln>
+              <a:noFill/>
+            </a:ln>
+            <a:extLst>
+              <a:ext uri="{91240B29-F687-4F45-9708-019B960494DF}">
+                <a14:hiddenLine xmlns:a14="http://schemas.microsoft.com/office/drawing/2010/main" w="9525">
+                  <a:solidFill>
+                    <a:srgbClr val="000000"/>
+                  </a:solidFill>
+                  <a:round/>
+                  <a:headEnd/>
+                  <a:tailEnd/>
+                </a14:hiddenLine>
+              </a:ext>
+            </a:extLst>
+          </p:spPr>
+          <p:txBody>
+            <a:bodyPr vert="horz" wrap="square" lIns="91440" tIns="45720" rIns="91440" bIns="45720" numCol="1" anchor="t" anchorCtr="0" compatLnSpc="1">
+              <a:prstTxWarp prst="textNoShape">
+                <a:avLst/>
+              </a:prstTxWarp>
+            </a:bodyPr>
+            <a:lstStyle/>
+            <a:p>
+              <a:endParaRPr lang="ja-JP" altLang="en-US"/>
+            </a:p>
+          </p:txBody>
+        </p:sp>
+        <p:sp>
+          <p:nvSpPr>
+            <p:cNvPr id="59" name="フリーフォーム 58"/>
+            <p:cNvSpPr>
+              <a:spLocks noChangeAspect="1" noChangeArrowheads="1"/>
+            </p:cNvSpPr>
+            <p:nvPr/>
+          </p:nvSpPr>
+          <p:spPr bwMode="gray">
+            <a:xfrm>
+              <a:off x="6011450" y="1244006"/>
+              <a:ext cx="333375" cy="684213"/>
+            </a:xfrm>
+            <a:custGeom>
+              <a:avLst/>
+              <a:gdLst>
+                <a:gd name="connsiteX0" fmla="*/ 166688 w 333375"/>
+                <a:gd name="connsiteY0" fmla="*/ 600075 h 684213"/>
+                <a:gd name="connsiteX1" fmla="*/ 207963 w 333375"/>
+                <a:gd name="connsiteY1" fmla="*/ 642144 h 684213"/>
+                <a:gd name="connsiteX2" fmla="*/ 166688 w 333375"/>
+                <a:gd name="connsiteY2" fmla="*/ 684213 h 684213"/>
+                <a:gd name="connsiteX3" fmla="*/ 125413 w 333375"/>
+                <a:gd name="connsiteY3" fmla="*/ 642144 h 684213"/>
+                <a:gd name="connsiteX4" fmla="*/ 166688 w 333375"/>
+                <a:gd name="connsiteY4" fmla="*/ 600075 h 684213"/>
+                <a:gd name="connsiteX5" fmla="*/ 16665 w 333375"/>
+                <a:gd name="connsiteY5" fmla="*/ 485775 h 684213"/>
+                <a:gd name="connsiteX6" fmla="*/ 316711 w 333375"/>
+                <a:gd name="connsiteY6" fmla="*/ 485775 h 684213"/>
+                <a:gd name="connsiteX7" fmla="*/ 331788 w 333375"/>
+                <a:gd name="connsiteY7" fmla="*/ 499696 h 684213"/>
+                <a:gd name="connsiteX8" fmla="*/ 316711 w 333375"/>
+                <a:gd name="connsiteY8" fmla="*/ 514350 h 684213"/>
+                <a:gd name="connsiteX9" fmla="*/ 16665 w 333375"/>
+                <a:gd name="connsiteY9" fmla="*/ 514350 h 684213"/>
+                <a:gd name="connsiteX10" fmla="*/ 1588 w 333375"/>
+                <a:gd name="connsiteY10" fmla="*/ 499696 h 684213"/>
+                <a:gd name="connsiteX11" fmla="*/ 16665 w 333375"/>
+                <a:gd name="connsiteY11" fmla="*/ 485775 h 684213"/>
+                <a:gd name="connsiteX12" fmla="*/ 16665 w 333375"/>
+                <a:gd name="connsiteY12" fmla="*/ 419100 h 684213"/>
+                <a:gd name="connsiteX13" fmla="*/ 316711 w 333375"/>
+                <a:gd name="connsiteY13" fmla="*/ 419100 h 684213"/>
+                <a:gd name="connsiteX14" fmla="*/ 331788 w 333375"/>
+                <a:gd name="connsiteY14" fmla="*/ 433021 h 684213"/>
+                <a:gd name="connsiteX15" fmla="*/ 316711 w 333375"/>
+                <a:gd name="connsiteY15" fmla="*/ 447675 h 684213"/>
+                <a:gd name="connsiteX16" fmla="*/ 16665 w 333375"/>
+                <a:gd name="connsiteY16" fmla="*/ 447675 h 684213"/>
+                <a:gd name="connsiteX17" fmla="*/ 1588 w 333375"/>
+                <a:gd name="connsiteY17" fmla="*/ 433021 h 684213"/>
+                <a:gd name="connsiteX18" fmla="*/ 16665 w 333375"/>
+                <a:gd name="connsiteY18" fmla="*/ 419100 h 684213"/>
+                <a:gd name="connsiteX19" fmla="*/ 16665 w 333375"/>
+                <a:gd name="connsiteY19" fmla="*/ 350837 h 684213"/>
+                <a:gd name="connsiteX20" fmla="*/ 316711 w 333375"/>
+                <a:gd name="connsiteY20" fmla="*/ 350837 h 684213"/>
+                <a:gd name="connsiteX21" fmla="*/ 331788 w 333375"/>
+                <a:gd name="connsiteY21" fmla="*/ 366305 h 684213"/>
+                <a:gd name="connsiteX22" fmla="*/ 316711 w 333375"/>
+                <a:gd name="connsiteY22" fmla="*/ 381000 h 684213"/>
+                <a:gd name="connsiteX23" fmla="*/ 16665 w 333375"/>
+                <a:gd name="connsiteY23" fmla="*/ 381000 h 684213"/>
+                <a:gd name="connsiteX24" fmla="*/ 1588 w 333375"/>
+                <a:gd name="connsiteY24" fmla="*/ 366305 h 684213"/>
+                <a:gd name="connsiteX25" fmla="*/ 16665 w 333375"/>
+                <a:gd name="connsiteY25" fmla="*/ 350837 h 684213"/>
+                <a:gd name="connsiteX26" fmla="*/ 19610 w 333375"/>
+                <a:gd name="connsiteY26" fmla="*/ 166687 h 684213"/>
+                <a:gd name="connsiteX27" fmla="*/ 313765 w 333375"/>
+                <a:gd name="connsiteY27" fmla="*/ 166687 h 684213"/>
+                <a:gd name="connsiteX28" fmla="*/ 333375 w 333375"/>
+                <a:gd name="connsiteY28" fmla="*/ 186990 h 684213"/>
+                <a:gd name="connsiteX29" fmla="*/ 333375 w 333375"/>
+                <a:gd name="connsiteY29" fmla="*/ 246397 h 684213"/>
+                <a:gd name="connsiteX30" fmla="*/ 313765 w 333375"/>
+                <a:gd name="connsiteY30" fmla="*/ 266700 h 684213"/>
+                <a:gd name="connsiteX31" fmla="*/ 19610 w 333375"/>
+                <a:gd name="connsiteY31" fmla="*/ 266700 h 684213"/>
+                <a:gd name="connsiteX32" fmla="*/ 0 w 333375"/>
+                <a:gd name="connsiteY32" fmla="*/ 246397 h 684213"/>
+                <a:gd name="connsiteX33" fmla="*/ 0 w 333375"/>
+                <a:gd name="connsiteY33" fmla="*/ 186990 h 684213"/>
+                <a:gd name="connsiteX34" fmla="*/ 19610 w 333375"/>
+                <a:gd name="connsiteY34" fmla="*/ 166687 h 684213"/>
+                <a:gd name="connsiteX35" fmla="*/ 19610 w 333375"/>
+                <a:gd name="connsiteY35" fmla="*/ 0 h 684213"/>
+                <a:gd name="connsiteX36" fmla="*/ 313765 w 333375"/>
+                <a:gd name="connsiteY36" fmla="*/ 0 h 684213"/>
+                <a:gd name="connsiteX37" fmla="*/ 333375 w 333375"/>
+                <a:gd name="connsiteY37" fmla="*/ 19551 h 684213"/>
+                <a:gd name="connsiteX38" fmla="*/ 333375 w 333375"/>
+                <a:gd name="connsiteY38" fmla="*/ 79710 h 684213"/>
+                <a:gd name="connsiteX39" fmla="*/ 313765 w 333375"/>
+                <a:gd name="connsiteY39" fmla="*/ 100013 h 684213"/>
+                <a:gd name="connsiteX40" fmla="*/ 19610 w 333375"/>
+                <a:gd name="connsiteY40" fmla="*/ 100013 h 684213"/>
+                <a:gd name="connsiteX41" fmla="*/ 0 w 333375"/>
+                <a:gd name="connsiteY41" fmla="*/ 79710 h 684213"/>
+                <a:gd name="connsiteX42" fmla="*/ 0 w 333375"/>
+                <a:gd name="connsiteY42" fmla="*/ 19551 h 684213"/>
+                <a:gd name="connsiteX43" fmla="*/ 19610 w 333375"/>
+                <a:gd name="connsiteY43" fmla="*/ 0 h 684213"/>
+              </a:gdLst>
+              <a:ahLst/>
+              <a:cxnLst>
+                <a:cxn ang="0">
+                  <a:pos x="connsiteX0" y="connsiteY0"/>
+                </a:cxn>
+                <a:cxn ang="0">
+                  <a:pos x="connsiteX1" y="connsiteY1"/>
+                </a:cxn>
+                <a:cxn ang="0">
+                  <a:pos x="connsiteX2" y="connsiteY2"/>
+                </a:cxn>
+                <a:cxn ang="0">
+                  <a:pos x="connsiteX3" y="connsiteY3"/>
+                </a:cxn>
+                <a:cxn ang="0">
+                  <a:pos x="connsiteX4" y="connsiteY4"/>
+                </a:cxn>
+                <a:cxn ang="0">
+                  <a:pos x="connsiteX5" y="connsiteY5"/>
+                </a:cxn>
+                <a:cxn ang="0">
+                  <a:pos x="connsiteX6" y="connsiteY6"/>
+                </a:cxn>
+                <a:cxn ang="0">
+                  <a:pos x="connsiteX7" y="connsiteY7"/>
+                </a:cxn>
+                <a:cxn ang="0">
+                  <a:pos x="connsiteX8" y="connsiteY8"/>
+                </a:cxn>
+                <a:cxn ang="0">
+                  <a:pos x="connsiteX9" y="connsiteY9"/>
+                </a:cxn>
+                <a:cxn ang="0">
+                  <a:pos x="connsiteX10" y="connsiteY10"/>
+                </a:cxn>
+                <a:cxn ang="0">
+                  <a:pos x="connsiteX11" y="connsiteY11"/>
+                </a:cxn>
+                <a:cxn ang="0">
+                  <a:pos x="connsiteX12" y="connsiteY12"/>
+                </a:cxn>
+                <a:cxn ang="0">
+                  <a:pos x="connsiteX13" y="connsiteY13"/>
+                </a:cxn>
+                <a:cxn ang="0">
+                  <a:pos x="connsiteX14" y="connsiteY14"/>
+                </a:cxn>
+                <a:cxn ang="0">
+                  <a:pos x="connsiteX15" y="connsiteY15"/>
+                </a:cxn>
+                <a:cxn ang="0">
+                  <a:pos x="connsiteX16" y="connsiteY16"/>
+                </a:cxn>
+                <a:cxn ang="0">
+                  <a:pos x="connsiteX17" y="connsiteY17"/>
+                </a:cxn>
+                <a:cxn ang="0">
+                  <a:pos x="connsiteX18" y="connsiteY18"/>
+                </a:cxn>
+                <a:cxn ang="0">
+                  <a:pos x="connsiteX19" y="connsiteY19"/>
+                </a:cxn>
+                <a:cxn ang="0">
+                  <a:pos x="connsiteX20" y="connsiteY20"/>
+                </a:cxn>
+                <a:cxn ang="0">
+                  <a:pos x="connsiteX21" y="connsiteY21"/>
+                </a:cxn>
+                <a:cxn ang="0">
+                  <a:pos x="connsiteX22" y="connsiteY22"/>
+                </a:cxn>
+                <a:cxn ang="0">
+                  <a:pos x="connsiteX23" y="connsiteY23"/>
+                </a:cxn>
+                <a:cxn ang="0">
+                  <a:pos x="connsiteX24" y="connsiteY24"/>
+                </a:cxn>
+                <a:cxn ang="0">
+                  <a:pos x="connsiteX25" y="connsiteY25"/>
+                </a:cxn>
+                <a:cxn ang="0">
+                  <a:pos x="connsiteX26" y="connsiteY26"/>
+                </a:cxn>
+                <a:cxn ang="0">
+                  <a:pos x="connsiteX27" y="connsiteY27"/>
+                </a:cxn>
+                <a:cxn ang="0">
+                  <a:pos x="connsiteX28" y="connsiteY28"/>
+                </a:cxn>
+                <a:cxn ang="0">
+                  <a:pos x="connsiteX29" y="connsiteY29"/>
+                </a:cxn>
+                <a:cxn ang="0">
+                  <a:pos x="connsiteX30" y="connsiteY30"/>
+                </a:cxn>
+                <a:cxn ang="0">
+                  <a:pos x="connsiteX31" y="connsiteY31"/>
+                </a:cxn>
+                <a:cxn ang="0">
+                  <a:pos x="connsiteX32" y="connsiteY32"/>
+                </a:cxn>
+                <a:cxn ang="0">
+                  <a:pos x="connsiteX33" y="connsiteY33"/>
+                </a:cxn>
+                <a:cxn ang="0">
+                  <a:pos x="connsiteX34" y="connsiteY34"/>
+                </a:cxn>
+                <a:cxn ang="0">
+                  <a:pos x="connsiteX35" y="connsiteY35"/>
+                </a:cxn>
+                <a:cxn ang="0">
+                  <a:pos x="connsiteX36" y="connsiteY36"/>
+                </a:cxn>
+                <a:cxn ang="0">
+                  <a:pos x="connsiteX37" y="connsiteY37"/>
+                </a:cxn>
+                <a:cxn ang="0">
+                  <a:pos x="connsiteX38" y="connsiteY38"/>
+                </a:cxn>
+                <a:cxn ang="0">
+                  <a:pos x="connsiteX39" y="connsiteY39"/>
+                </a:cxn>
+                <a:cxn ang="0">
+                  <a:pos x="connsiteX40" y="connsiteY40"/>
+                </a:cxn>
+                <a:cxn ang="0">
+                  <a:pos x="connsiteX41" y="connsiteY41"/>
+                </a:cxn>
+                <a:cxn ang="0">
+                  <a:pos x="connsiteX42" y="connsiteY42"/>
+                </a:cxn>
+                <a:cxn ang="0">
+                  <a:pos x="connsiteX43" y="connsiteY43"/>
+                </a:cxn>
+              </a:cxnLst>
+              <a:rect l="l" t="t" r="r" b="b"/>
+              <a:pathLst>
+                <a:path w="333375" h="684213">
+                  <a:moveTo>
+                    <a:pt x="166688" y="600075"/>
+                  </a:moveTo>
+                  <a:cubicBezTo>
+                    <a:pt x="189484" y="600075"/>
+                    <a:pt x="207963" y="618910"/>
+                    <a:pt x="207963" y="642144"/>
+                  </a:cubicBezTo>
+                  <a:cubicBezTo>
+                    <a:pt x="207963" y="665378"/>
+                    <a:pt x="189484" y="684213"/>
+                    <a:pt x="166688" y="684213"/>
+                  </a:cubicBezTo>
+                  <a:cubicBezTo>
+                    <a:pt x="143892" y="684213"/>
+                    <a:pt x="125413" y="665378"/>
+                    <a:pt x="125413" y="642144"/>
+                  </a:cubicBezTo>
+                  <a:cubicBezTo>
+                    <a:pt x="125413" y="618910"/>
+                    <a:pt x="143892" y="600075"/>
+                    <a:pt x="166688" y="600075"/>
+                  </a:cubicBezTo>
+                  <a:close/>
+                  <a:moveTo>
+                    <a:pt x="16665" y="485775"/>
+                  </a:moveTo>
+                  <a:cubicBezTo>
+                    <a:pt x="16665" y="485775"/>
+                    <a:pt x="16665" y="485775"/>
+                    <a:pt x="316711" y="485775"/>
+                  </a:cubicBezTo>
+                  <a:cubicBezTo>
+                    <a:pt x="325003" y="485775"/>
+                    <a:pt x="331788" y="491636"/>
+                    <a:pt x="331788" y="499696"/>
+                  </a:cubicBezTo>
+                  <a:cubicBezTo>
+                    <a:pt x="331788" y="507756"/>
+                    <a:pt x="325003" y="514350"/>
+                    <a:pt x="316711" y="514350"/>
+                  </a:cubicBezTo>
+                  <a:cubicBezTo>
+                    <a:pt x="316711" y="514350"/>
+                    <a:pt x="316711" y="514350"/>
+                    <a:pt x="16665" y="514350"/>
+                  </a:cubicBezTo>
+                  <a:cubicBezTo>
+                    <a:pt x="8373" y="514350"/>
+                    <a:pt x="1588" y="507756"/>
+                    <a:pt x="1588" y="499696"/>
+                  </a:cubicBezTo>
+                  <a:cubicBezTo>
+                    <a:pt x="1588" y="491636"/>
+                    <a:pt x="8373" y="485775"/>
+                    <a:pt x="16665" y="485775"/>
+                  </a:cubicBezTo>
+                  <a:close/>
+                  <a:moveTo>
+                    <a:pt x="16665" y="419100"/>
+                  </a:moveTo>
+                  <a:cubicBezTo>
+                    <a:pt x="16665" y="419100"/>
+                    <a:pt x="16665" y="419100"/>
+                    <a:pt x="316711" y="419100"/>
+                  </a:cubicBezTo>
+                  <a:cubicBezTo>
+                    <a:pt x="325003" y="419100"/>
+                    <a:pt x="331788" y="425694"/>
+                    <a:pt x="331788" y="433021"/>
+                  </a:cubicBezTo>
+                  <a:cubicBezTo>
+                    <a:pt x="331788" y="441081"/>
+                    <a:pt x="325003" y="447675"/>
+                    <a:pt x="316711" y="447675"/>
+                  </a:cubicBezTo>
+                  <a:cubicBezTo>
+                    <a:pt x="316711" y="447675"/>
+                    <a:pt x="316711" y="447675"/>
+                    <a:pt x="16665" y="447675"/>
+                  </a:cubicBezTo>
+                  <a:cubicBezTo>
+                    <a:pt x="8373" y="447675"/>
+                    <a:pt x="1588" y="441081"/>
+                    <a:pt x="1588" y="433021"/>
+                  </a:cubicBezTo>
+                  <a:cubicBezTo>
+                    <a:pt x="1588" y="425694"/>
+                    <a:pt x="8373" y="419100"/>
+                    <a:pt x="16665" y="419100"/>
+                  </a:cubicBezTo>
+                  <a:close/>
+                  <a:moveTo>
+                    <a:pt x="16665" y="350837"/>
+                  </a:moveTo>
+                  <a:cubicBezTo>
+                    <a:pt x="16665" y="350837"/>
+                    <a:pt x="16665" y="350837"/>
+                    <a:pt x="316711" y="350837"/>
+                  </a:cubicBezTo>
+                  <a:cubicBezTo>
+                    <a:pt x="325003" y="350837"/>
+                    <a:pt x="331788" y="357798"/>
+                    <a:pt x="331788" y="366305"/>
+                  </a:cubicBezTo>
+                  <a:cubicBezTo>
+                    <a:pt x="331788" y="374813"/>
+                    <a:pt x="325003" y="381000"/>
+                    <a:pt x="316711" y="381000"/>
+                  </a:cubicBezTo>
+                  <a:cubicBezTo>
+                    <a:pt x="316711" y="381000"/>
+                    <a:pt x="316711" y="381000"/>
+                    <a:pt x="16665" y="381000"/>
+                  </a:cubicBezTo>
+                  <a:cubicBezTo>
+                    <a:pt x="8373" y="381000"/>
+                    <a:pt x="1588" y="374813"/>
+                    <a:pt x="1588" y="366305"/>
+                  </a:cubicBezTo>
+                  <a:cubicBezTo>
+                    <a:pt x="1588" y="357798"/>
+                    <a:pt x="8373" y="350837"/>
+                    <a:pt x="16665" y="350837"/>
+                  </a:cubicBezTo>
+                  <a:close/>
+                  <a:moveTo>
+                    <a:pt x="19610" y="166687"/>
+                  </a:moveTo>
+                  <a:cubicBezTo>
+                    <a:pt x="19610" y="166687"/>
+                    <a:pt x="19610" y="166687"/>
+                    <a:pt x="313765" y="166687"/>
+                  </a:cubicBezTo>
+                  <a:cubicBezTo>
+                    <a:pt x="324324" y="166687"/>
+                    <a:pt x="333375" y="175711"/>
+                    <a:pt x="333375" y="186990"/>
+                  </a:cubicBezTo>
+                  <a:cubicBezTo>
+                    <a:pt x="333375" y="186990"/>
+                    <a:pt x="333375" y="186990"/>
+                    <a:pt x="333375" y="246397"/>
+                  </a:cubicBezTo>
+                  <a:cubicBezTo>
+                    <a:pt x="333375" y="257676"/>
+                    <a:pt x="324324" y="266700"/>
+                    <a:pt x="313765" y="266700"/>
+                  </a:cubicBezTo>
+                  <a:cubicBezTo>
+                    <a:pt x="313765" y="266700"/>
+                    <a:pt x="313765" y="266700"/>
+                    <a:pt x="19610" y="266700"/>
+                  </a:cubicBezTo>
+                  <a:cubicBezTo>
+                    <a:pt x="9051" y="266700"/>
+                    <a:pt x="0" y="257676"/>
+                    <a:pt x="0" y="246397"/>
+                  </a:cubicBezTo>
+                  <a:cubicBezTo>
+                    <a:pt x="0" y="246397"/>
+                    <a:pt x="0" y="246397"/>
+                    <a:pt x="0" y="186990"/>
+                  </a:cubicBezTo>
+                  <a:cubicBezTo>
+                    <a:pt x="0" y="175711"/>
+                    <a:pt x="9051" y="166687"/>
+                    <a:pt x="19610" y="166687"/>
+                  </a:cubicBezTo>
+                  <a:close/>
+                  <a:moveTo>
+                    <a:pt x="19610" y="0"/>
+                  </a:moveTo>
+                  <a:cubicBezTo>
+                    <a:pt x="19610" y="0"/>
+                    <a:pt x="19610" y="0"/>
+                    <a:pt x="313765" y="0"/>
+                  </a:cubicBezTo>
+                  <a:cubicBezTo>
+                    <a:pt x="324324" y="0"/>
+                    <a:pt x="333375" y="9024"/>
+                    <a:pt x="333375" y="19551"/>
+                  </a:cubicBezTo>
+                  <a:cubicBezTo>
+                    <a:pt x="333375" y="19551"/>
+                    <a:pt x="333375" y="19551"/>
+                    <a:pt x="333375" y="79710"/>
+                  </a:cubicBezTo>
+                  <a:cubicBezTo>
+                    <a:pt x="333375" y="90989"/>
+                    <a:pt x="324324" y="100013"/>
+                    <a:pt x="313765" y="100013"/>
+                  </a:cubicBezTo>
+                  <a:cubicBezTo>
+                    <a:pt x="313765" y="100013"/>
+                    <a:pt x="313765" y="100013"/>
+                    <a:pt x="19610" y="100013"/>
+                  </a:cubicBezTo>
+                  <a:cubicBezTo>
+                    <a:pt x="9051" y="100013"/>
+                    <a:pt x="0" y="90989"/>
+                    <a:pt x="0" y="79710"/>
+                  </a:cubicBezTo>
+                  <a:cubicBezTo>
+                    <a:pt x="0" y="79710"/>
+                    <a:pt x="0" y="79710"/>
+                    <a:pt x="0" y="19551"/>
+                  </a:cubicBezTo>
+                  <a:cubicBezTo>
+                    <a:pt x="0" y="9024"/>
+                    <a:pt x="9051" y="0"/>
+                    <a:pt x="19610" y="0"/>
+                  </a:cubicBezTo>
+                  <a:close/>
+                </a:path>
+              </a:pathLst>
+            </a:custGeom>
+            <a:solidFill>
+              <a:srgbClr val="FFFFFF"/>
+            </a:solidFill>
+            <a:ln>
+              <a:noFill/>
+            </a:ln>
+            <a:extLst>
+              <a:ext uri="{91240B29-F687-4F45-9708-019B960494DF}">
+                <a14:hiddenLine xmlns:a14="http://schemas.microsoft.com/office/drawing/2010/main" w="9525">
+                  <a:solidFill>
+                    <a:srgbClr val="000000"/>
+                  </a:solidFill>
+                  <a:round/>
+                  <a:headEnd/>
+                  <a:tailEnd/>
+                </a14:hiddenLine>
+              </a:ext>
+            </a:extLst>
+          </p:spPr>
+          <p:txBody>
+            <a:bodyPr vert="horz" wrap="square" lIns="91440" tIns="45720" rIns="91440" bIns="45720" numCol="1" anchor="t" anchorCtr="0" compatLnSpc="1">
+              <a:prstTxWarp prst="textNoShape">
+                <a:avLst/>
+              </a:prstTxWarp>
+              <a:noAutofit/>
+            </a:bodyPr>
+            <a:lstStyle/>
+            <a:p>
+              <a:endParaRPr lang="ja-JP" altLang="en-US"/>
+            </a:p>
+          </p:txBody>
+        </p:sp>
+      </p:grpSp>
+      <p:sp>
+        <p:nvSpPr>
+          <p:cNvPr id="62" name="正方形/長方形 61"/>
+          <p:cNvSpPr/>
+          <p:nvPr/>
+        </p:nvSpPr>
+        <p:spPr bwMode="auto">
+          <a:xfrm>
+            <a:off x="6341918" y="3378624"/>
+            <a:ext cx="648926" cy="427034"/>
+          </a:xfrm>
+          <a:prstGeom prst="rect">
+            <a:avLst/>
+          </a:prstGeom>
+          <a:noFill/>
+          <a:ln w="19050">
+            <a:solidFill>
+              <a:srgbClr val="FFC000"/>
+            </a:solidFill>
+            <a:prstDash val="lgDash"/>
+          </a:ln>
+          <a:effectLst/>
+          <a:extLst/>
+        </p:spPr>
+        <p:txBody>
+          <a:bodyPr rot="0" spcFirstLastPara="0" vertOverflow="overflow" horzOverflow="overflow" vert="horz" wrap="none" lIns="72000" tIns="72000" rIns="72000" bIns="72000" numCol="1" spcCol="0" rtlCol="0" fromWordArt="0" anchor="ctr" anchorCtr="0" forceAA="0" compatLnSpc="1">
+            <a:prstTxWarp prst="textNoShape">
+              <a:avLst/>
+            </a:prstTxWarp>
+            <a:noAutofit/>
+          </a:bodyPr>
+          <a:lstStyle/>
+          <a:p>
+            <a:pPr algn="ctr"/>
+            <a:endParaRPr kumimoji="1" lang="ja-JP" altLang="en-US" b="1" dirty="0" smtClean="0">
+              <a:latin typeface="+mn-ea"/>
+            </a:endParaRPr>
+          </a:p>
+        </p:txBody>
+      </p:sp>
+      <p:sp>
+        <p:nvSpPr>
+          <p:cNvPr id="63" name="正方形/長方形 62"/>
+          <p:cNvSpPr/>
+          <p:nvPr/>
+        </p:nvSpPr>
+        <p:spPr bwMode="auto">
+          <a:xfrm>
+            <a:off x="7818750" y="3191020"/>
+            <a:ext cx="689667" cy="427034"/>
+          </a:xfrm>
+          <a:prstGeom prst="rect">
+            <a:avLst/>
+          </a:prstGeom>
+          <a:noFill/>
+          <a:ln w="19050">
+            <a:solidFill>
+              <a:srgbClr val="FFC000"/>
+            </a:solidFill>
+            <a:prstDash val="lgDash"/>
+          </a:ln>
+          <a:effectLst/>
+          <a:extLst/>
+        </p:spPr>
+        <p:txBody>
+          <a:bodyPr rot="0" spcFirstLastPara="0" vertOverflow="overflow" horzOverflow="overflow" vert="horz" wrap="none" lIns="72000" tIns="72000" rIns="72000" bIns="72000" numCol="1" spcCol="0" rtlCol="0" fromWordArt="0" anchor="ctr" anchorCtr="0" forceAA="0" compatLnSpc="1">
+            <a:prstTxWarp prst="textNoShape">
+              <a:avLst/>
+            </a:prstTxWarp>
+            <a:noAutofit/>
+          </a:bodyPr>
+          <a:lstStyle/>
+          <a:p>
+            <a:pPr algn="ctr"/>
+            <a:endParaRPr kumimoji="1" lang="ja-JP" altLang="en-US" b="1" dirty="0" smtClean="0">
+              <a:latin typeface="+mn-ea"/>
+            </a:endParaRPr>
+          </a:p>
+        </p:txBody>
+      </p:sp>
+      <p:cxnSp>
+        <p:nvCxnSpPr>
+          <p:cNvPr id="64" name="カギ線コネクタ 63"/>
+          <p:cNvCxnSpPr>
+            <a:stCxn id="62" idx="2"/>
+            <a:endCxn id="63" idx="2"/>
+          </p:cNvCxnSpPr>
+          <p:nvPr/>
+        </p:nvCxnSpPr>
+        <p:spPr bwMode="auto">
+          <a:xfrm rot="5400000" flipH="1" flipV="1">
+            <a:off x="7321180" y="2963254"/>
+            <a:ext cx="187604" cy="1497203"/>
+          </a:xfrm>
+          <a:prstGeom prst="bentConnector3">
+            <a:avLst>
+              <a:gd name="adj1" fmla="val -121852"/>
+            </a:avLst>
+          </a:prstGeom>
+          <a:solidFill>
+            <a:schemeClr val="bg1"/>
+          </a:solidFill>
+          <a:ln w="28575" cap="flat" cmpd="sng" algn="ctr">
+            <a:solidFill>
+              <a:srgbClr val="FFC000"/>
+            </a:solidFill>
+            <a:prstDash val="dash"/>
+            <a:round/>
+            <a:headEnd type="diamond" w="med" len="med"/>
+            <a:tailEnd type="diamond" w="med" len="med"/>
+          </a:ln>
+          <a:effectLst/>
+          <a:extLst>
+            <a:ext uri="{AF507438-7753-43E0-B8FC-AC1667EBCBE1}">
+              <a14:hiddenEffects xmlns:a14="http://schemas.microsoft.com/office/drawing/2010/main">
+                <a:effectLst>
+                  <a:outerShdw dist="35921" dir="2700000" algn="ctr" rotWithShape="0">
+                    <a:schemeClr val="tx1">
+                      <a:alpha val="50000"/>
+                    </a:schemeClr>
+                  </a:outerShdw>
+                </a:effectLst>
+              </a14:hiddenEffects>
+            </a:ext>
+          </a:extLst>
+        </p:spPr>
+      </p:cxnSp>
+      <p:sp>
+        <p:nvSpPr>
+          <p:cNvPr id="65" name="テキスト ボックス 64"/>
+          <p:cNvSpPr txBox="1"/>
+          <p:nvPr/>
+        </p:nvSpPr>
+        <p:spPr>
+          <a:xfrm>
+            <a:off x="7209717" y="3748395"/>
+            <a:ext cx="647949" cy="215444"/>
+          </a:xfrm>
+          <a:prstGeom prst="rect">
+            <a:avLst/>
+          </a:prstGeom>
+          <a:solidFill>
+            <a:schemeClr val="accent1">
+              <a:lumMod val="20000"/>
+              <a:lumOff val="80000"/>
+            </a:schemeClr>
+          </a:solidFill>
+        </p:spPr>
+        <p:txBody>
+          <a:bodyPr wrap="square" rtlCol="0">
+            <a:spAutoFit/>
+          </a:bodyPr>
+          <a:lstStyle/>
+          <a:p>
+            <a:pPr algn="ctr"/>
+            <a:r>
+              <a:rPr lang="en-US" altLang="ja-JP" sz="800" b="1" dirty="0" smtClean="0"/>
+              <a:t>File link</a:t>
+            </a:r>
+            <a:endParaRPr kumimoji="1" lang="ja-JP" altLang="en-US" sz="800" b="1" dirty="0"/>
+          </a:p>
+        </p:txBody>
+      </p:sp>
+      <p:sp>
+        <p:nvSpPr>
+          <p:cNvPr id="66" name="角丸四角形 65"/>
+          <p:cNvSpPr/>
+          <p:nvPr/>
+        </p:nvSpPr>
+        <p:spPr bwMode="auto">
+          <a:xfrm>
+            <a:off x="7569021" y="4113450"/>
+            <a:ext cx="1193290" cy="410899"/>
+          </a:xfrm>
+          <a:prstGeom prst="roundRect">
+            <a:avLst/>
+          </a:prstGeom>
+          <a:noFill/>
+          <a:ln w="28575">
+            <a:solidFill>
+              <a:schemeClr val="accent6"/>
+            </a:solidFill>
+          </a:ln>
+          <a:effectLst/>
+          <a:extLst/>
+        </p:spPr>
+        <p:txBody>
+          <a:bodyPr rot="0" spcFirstLastPara="0" vertOverflow="overflow" horzOverflow="overflow" vert="horz" wrap="none" lIns="72000" tIns="72000" rIns="72000" bIns="72000" numCol="1" spcCol="0" rtlCol="0" fromWordArt="0" anchor="ctr" anchorCtr="0" forceAA="0" compatLnSpc="1">
+            <a:prstTxWarp prst="textNoShape">
+              <a:avLst/>
+            </a:prstTxWarp>
+            <a:noAutofit/>
+          </a:bodyPr>
+          <a:lstStyle/>
+          <a:p>
+            <a:pPr algn="ctr"/>
+            <a:r>
+              <a:rPr kumimoji="1" lang="en-US" altLang="ja-JP" sz="1000" b="1" dirty="0" smtClean="0">
+                <a:latin typeface="+mn-ea"/>
+              </a:rPr>
+              <a:t>”Execution” </a:t>
+            </a:r>
+          </a:p>
+          <a:p>
+            <a:pPr algn="ctr"/>
+            <a:r>
+              <a:rPr kumimoji="1" lang="en-US" altLang="ja-JP" sz="1000" b="1" dirty="0" smtClean="0">
+                <a:latin typeface="+mn-ea"/>
+              </a:rPr>
+              <a:t>menu</a:t>
+            </a:r>
+            <a:endParaRPr kumimoji="1" lang="ja-JP" altLang="en-US" sz="1000" b="1" dirty="0" smtClean="0">
+              <a:latin typeface="+mn-ea"/>
+            </a:endParaRPr>
+          </a:p>
+        </p:txBody>
+      </p:sp>
+      <p:cxnSp>
+        <p:nvCxnSpPr>
+          <p:cNvPr id="67" name="カギ線コネクタ 66"/>
+          <p:cNvCxnSpPr>
+            <a:stCxn id="66" idx="0"/>
+            <a:endCxn id="63" idx="2"/>
+          </p:cNvCxnSpPr>
+          <p:nvPr/>
+        </p:nvCxnSpPr>
+        <p:spPr bwMode="auto">
+          <a:xfrm rot="16200000" flipV="1">
+            <a:off x="7916927" y="3864711"/>
+            <a:ext cx="495396" cy="2082"/>
+          </a:xfrm>
+          <a:prstGeom prst="bentConnector3">
+            <a:avLst>
+              <a:gd name="adj1" fmla="val 50000"/>
+            </a:avLst>
+          </a:prstGeom>
+          <a:solidFill>
+            <a:schemeClr val="bg1"/>
+          </a:solidFill>
+          <a:ln w="28575" cap="flat" cmpd="sng" algn="ctr">
+            <a:solidFill>
+              <a:srgbClr val="FFC000"/>
+            </a:solidFill>
+            <a:prstDash val="dash"/>
+            <a:round/>
+            <a:headEnd type="diamond" w="med" len="med"/>
+            <a:tailEnd type="diamond" w="med" len="med"/>
+          </a:ln>
+          <a:effectLst/>
+          <a:extLst>
+            <a:ext uri="{AF507438-7753-43E0-B8FC-AC1667EBCBE1}">
+              <a14:hiddenEffects xmlns:a14="http://schemas.microsoft.com/office/drawing/2010/main">
+                <a:effectLst>
+                  <a:outerShdw dist="35921" dir="2700000" algn="ctr" rotWithShape="0">
+                    <a:schemeClr val="tx1">
+                      <a:alpha val="50000"/>
+                    </a:schemeClr>
+                  </a:outerShdw>
+                </a:effectLst>
+              </a14:hiddenEffects>
+            </a:ext>
+          </a:extLst>
+        </p:spPr>
+      </p:cxnSp>
+      <p:sp>
+        <p:nvSpPr>
+          <p:cNvPr id="68" name="左矢印 67"/>
+          <p:cNvSpPr/>
+          <p:nvPr/>
+        </p:nvSpPr>
+        <p:spPr bwMode="auto">
+          <a:xfrm rot="5400000" flipH="1">
+            <a:off x="7887598" y="4689687"/>
+            <a:ext cx="532328" cy="249598"/>
+          </a:xfrm>
+          <a:prstGeom prst="leftArrow">
+            <a:avLst>
+              <a:gd name="adj1" fmla="val 37925"/>
+              <a:gd name="adj2" fmla="val 33627"/>
+            </a:avLst>
+          </a:prstGeom>
+          <a:solidFill>
+            <a:srgbClr val="FFC000"/>
+          </a:solidFill>
+          <a:ln w="12700">
+            <a:solidFill>
+              <a:schemeClr val="tx1"/>
+            </a:solidFill>
+          </a:ln>
+          <a:effectLst/>
+          <a:extLst/>
+        </p:spPr>
+        <p:txBody>
+          <a:bodyPr rot="0" spcFirstLastPara="0" vertOverflow="overflow" horzOverflow="overflow" vert="horz" wrap="none" lIns="72000" tIns="72000" rIns="72000" bIns="72000" numCol="1" spcCol="0" rtlCol="0" fromWordArt="0" anchor="ctr" anchorCtr="0" forceAA="0" compatLnSpc="1">
+            <a:prstTxWarp prst="textNoShape">
+              <a:avLst/>
+            </a:prstTxWarp>
+            <a:noAutofit/>
+          </a:bodyPr>
+          <a:lstStyle/>
+          <a:p>
+            <a:pPr algn="ctr"/>
+            <a:endParaRPr kumimoji="1" lang="ja-JP" altLang="en-US" b="1" dirty="0" smtClean="0">
+              <a:latin typeface="+mn-ea"/>
+            </a:endParaRPr>
+          </a:p>
+        </p:txBody>
+      </p:sp>
+      <p:sp>
+        <p:nvSpPr>
+          <p:cNvPr id="69" name="テキスト ボックス 68"/>
+          <p:cNvSpPr txBox="1"/>
+          <p:nvPr/>
+        </p:nvSpPr>
+        <p:spPr>
+          <a:xfrm>
+            <a:off x="7724172" y="5973849"/>
+            <a:ext cx="842626" cy="400110"/>
+          </a:xfrm>
+          <a:prstGeom prst="rect">
+            <a:avLst/>
+          </a:prstGeom>
+          <a:noFill/>
+        </p:spPr>
+        <p:txBody>
+          <a:bodyPr wrap="square" rtlCol="0">
+            <a:spAutoFit/>
+          </a:bodyPr>
+          <a:lstStyle/>
+          <a:p>
+            <a:pPr algn="ctr"/>
+            <a:r>
+              <a:rPr lang="en-US" altLang="ja-JP" sz="1000" b="1" dirty="0" smtClean="0">
+                <a:latin typeface="+mn-ea"/>
+              </a:rPr>
+              <a:t>Target server</a:t>
+            </a:r>
+            <a:endParaRPr kumimoji="1" lang="ja-JP" altLang="en-US" sz="1000" dirty="0"/>
+          </a:p>
+        </p:txBody>
+      </p:sp>
+      <p:sp>
+        <p:nvSpPr>
+          <p:cNvPr id="70" name="円柱 69"/>
+          <p:cNvSpPr/>
+          <p:nvPr/>
+        </p:nvSpPr>
+        <p:spPr bwMode="auto">
+          <a:xfrm>
+            <a:off x="6211735" y="2823740"/>
+            <a:ext cx="961786" cy="1068792"/>
+          </a:xfrm>
+          <a:prstGeom prst="can">
+            <a:avLst>
+              <a:gd name="adj" fmla="val 15813"/>
+            </a:avLst>
+          </a:prstGeom>
+          <a:noFill/>
+          <a:ln w="28575">
+            <a:solidFill>
+              <a:schemeClr val="accent6"/>
+            </a:solidFill>
+          </a:ln>
+          <a:effectLst/>
+          <a:extLst/>
+        </p:spPr>
+        <p:txBody>
+          <a:bodyPr rot="0" spcFirstLastPara="0" vertOverflow="overflow" horzOverflow="overflow" vert="horz" wrap="none" lIns="72000" tIns="72000" rIns="72000" bIns="72000" numCol="1" spcCol="0" rtlCol="0" fromWordArt="0" anchor="t" anchorCtr="0" forceAA="0" compatLnSpc="1">
+            <a:prstTxWarp prst="textNoShape">
+              <a:avLst/>
+            </a:prstTxWarp>
+            <a:noAutofit/>
+          </a:bodyPr>
+          <a:lstStyle/>
+          <a:p>
+            <a:pPr algn="ctr"/>
+            <a:r>
+              <a:rPr lang="en-US" altLang="ja-JP" sz="1000" b="1" dirty="0" smtClean="0">
+                <a:latin typeface="+mn-ea"/>
+              </a:rPr>
+              <a:t>Local </a:t>
+            </a:r>
+            <a:br>
+              <a:rPr lang="en-US" altLang="ja-JP" sz="1000" b="1" dirty="0" smtClean="0">
+                <a:latin typeface="+mn-ea"/>
+              </a:rPr>
+            </a:br>
+            <a:r>
+              <a:rPr lang="en-US" altLang="ja-JP" sz="1000" b="1" dirty="0" smtClean="0">
+                <a:latin typeface="+mn-ea"/>
+              </a:rPr>
+              <a:t>repository</a:t>
+            </a:r>
+            <a:endParaRPr kumimoji="1" lang="ja-JP" altLang="en-US" sz="1000" b="1" dirty="0" smtClean="0">
+              <a:latin typeface="+mn-ea"/>
+            </a:endParaRPr>
+          </a:p>
+        </p:txBody>
+      </p:sp>
+      <p:grpSp>
+        <p:nvGrpSpPr>
+          <p:cNvPr id="71" name="グループ化 70"/>
+          <p:cNvGrpSpPr/>
+          <p:nvPr/>
+        </p:nvGrpSpPr>
+        <p:grpSpPr>
+          <a:xfrm>
+            <a:off x="5410405" y="3211133"/>
+            <a:ext cx="712262" cy="579518"/>
+            <a:chOff x="5376382" y="3404537"/>
+            <a:chExt cx="712262" cy="579518"/>
+          </a:xfrm>
+        </p:grpSpPr>
+        <p:sp>
+          <p:nvSpPr>
+            <p:cNvPr id="72" name="U ターン矢印 71"/>
+            <p:cNvSpPr/>
+            <p:nvPr/>
+          </p:nvSpPr>
+          <p:spPr bwMode="auto">
+            <a:xfrm rot="16200000" flipH="1">
+              <a:off x="5546138" y="3234781"/>
+              <a:ext cx="339693" cy="679205"/>
+            </a:xfrm>
+            <a:prstGeom prst="uturnArrow">
+              <a:avLst>
+                <a:gd name="adj1" fmla="val 25000"/>
+                <a:gd name="adj2" fmla="val 25000"/>
+                <a:gd name="adj3" fmla="val 25000"/>
+                <a:gd name="adj4" fmla="val 43750"/>
+                <a:gd name="adj5" fmla="val 100000"/>
+              </a:avLst>
+            </a:prstGeom>
+            <a:solidFill>
+              <a:srgbClr val="FFC000"/>
+            </a:solidFill>
+            <a:ln w="12700">
+              <a:solidFill>
+                <a:schemeClr val="tx1"/>
+              </a:solidFill>
+            </a:ln>
+            <a:effectLst/>
+            <a:extLst/>
+          </p:spPr>
+          <p:txBody>
+            <a:bodyPr rot="0" spcFirstLastPara="0" vertOverflow="overflow" horzOverflow="overflow" vert="horz" wrap="none" lIns="72000" tIns="72000" rIns="72000" bIns="72000" numCol="1" spcCol="0" rtlCol="0" fromWordArt="0" anchor="ctr" anchorCtr="0" forceAA="0" compatLnSpc="1">
+              <a:prstTxWarp prst="textNoShape">
+                <a:avLst/>
+              </a:prstTxWarp>
+              <a:noAutofit/>
+            </a:bodyPr>
+            <a:lstStyle/>
+            <a:p>
+              <a:pPr algn="ctr"/>
+              <a:endParaRPr kumimoji="1" lang="ja-JP" altLang="en-US" b="1" dirty="0" smtClean="0">
+                <a:latin typeface="+mn-ea"/>
+              </a:endParaRPr>
+            </a:p>
+          </p:txBody>
+        </p:sp>
+        <p:sp>
+          <p:nvSpPr>
+            <p:cNvPr id="73" name="テキスト ボックス 72"/>
+            <p:cNvSpPr txBox="1"/>
+            <p:nvPr/>
+          </p:nvSpPr>
+          <p:spPr>
+            <a:xfrm>
+              <a:off x="5381100" y="3785048"/>
+              <a:ext cx="707544" cy="199007"/>
+            </a:xfrm>
+            <a:prstGeom prst="rect">
+              <a:avLst/>
+            </a:prstGeom>
+            <a:solidFill>
+              <a:schemeClr val="accent1">
+                <a:lumMod val="20000"/>
+                <a:lumOff val="80000"/>
+              </a:schemeClr>
+            </a:solidFill>
+          </p:spPr>
+          <p:txBody>
+            <a:bodyPr wrap="square" rtlCol="0">
+              <a:spAutoFit/>
+            </a:bodyPr>
+            <a:lstStyle/>
+            <a:p>
+              <a:pPr algn="ctr"/>
+              <a:r>
+                <a:rPr kumimoji="1" lang="en-US" altLang="ja-JP" sz="700" b="1" dirty="0" err="1" smtClean="0"/>
+                <a:t>Git</a:t>
+              </a:r>
+              <a:r>
+                <a:rPr lang="ja-JP" altLang="en-US" sz="700" b="1" dirty="0"/>
+                <a:t> </a:t>
+              </a:r>
+              <a:r>
+                <a:rPr lang="en-US" altLang="ja-JP" sz="700" b="1" dirty="0" smtClean="0"/>
+                <a:t>clone</a:t>
+              </a:r>
+              <a:endParaRPr kumimoji="1" lang="ja-JP" altLang="en-US" sz="700" b="1" dirty="0"/>
+            </a:p>
+          </p:txBody>
+        </p:sp>
+      </p:grpSp>
+      <p:pic>
+        <p:nvPicPr>
+          <p:cNvPr id="74" name="図 73"/>
+          <p:cNvPicPr>
+            <a:picLocks noChangeAspect="1"/>
+          </p:cNvPicPr>
+          <p:nvPr/>
+        </p:nvPicPr>
+        <p:blipFill>
+          <a:blip r:embed="rId3">
+            <a:extLst>
+              <a:ext uri="{28A0092B-C50C-407E-A947-70E740481C1C}">
+                <a14:useLocalDpi xmlns:a14="http://schemas.microsoft.com/office/drawing/2010/main" val="0"/>
+              </a:ext>
+            </a:extLst>
+          </a:blip>
+          <a:stretch>
+            <a:fillRect/>
+          </a:stretch>
+        </p:blipFill>
+        <p:spPr>
+          <a:xfrm>
+            <a:off x="5720778" y="1928578"/>
+            <a:ext cx="438823" cy="438823"/>
+          </a:xfrm>
+          <a:prstGeom prst="rect">
+            <a:avLst/>
+          </a:prstGeom>
+        </p:spPr>
+      </p:pic>
     </p:spTree>
     <p:extLst>
       <p:ext uri="{BB962C8B-B14F-4D97-AF65-F5344CB8AC3E}">
@@ -17845,23 +18156,7 @@
               <a:rPr lang="ja-JP" altLang="en-US" dirty="0"/>
               <a:t>　</a:t>
             </a:r>
-            <a:r>
-              <a:rPr lang="en-US" altLang="ja-JP" dirty="0" smtClean="0"/>
-              <a:t>Input your desired repository name and select Public. Create the repository by   pressing the “Create repository” button at the bottom of the screen.</a:t>
-            </a:r>
-          </a:p>
-          <a:p>
-            <a:pPr marL="180000" lvl="1" indent="0">
-              <a:buNone/>
-            </a:pPr>
-            <a:r>
-              <a:rPr lang="en-US" altLang="ja-JP" dirty="0"/>
-              <a:t> </a:t>
-            </a:r>
-            <a:r>
-              <a:rPr lang="en-US" altLang="ja-JP" dirty="0" smtClean="0"/>
-              <a:t>  </a:t>
-            </a:r>
+            <a:endParaRPr lang="en-US" altLang="ja-JP" dirty="0" smtClean="0"/>
           </a:p>
         </p:txBody>
       </p:sp>
@@ -17890,313 +18185,6 @@
       </p:pic>
       <p:sp>
         <p:nvSpPr>
-          <p:cNvPr id="6" name="角丸四角形吹き出し 5"/>
-          <p:cNvSpPr/>
-          <p:nvPr/>
-        </p:nvSpPr>
-        <p:spPr bwMode="auto">
-          <a:xfrm>
-            <a:off x="6855896" y="2988436"/>
-            <a:ext cx="1971288" cy="728372"/>
-          </a:xfrm>
-          <a:prstGeom prst="wedgeRoundRectCallout">
-            <a:avLst>
-              <a:gd name="adj1" fmla="val -137324"/>
-              <a:gd name="adj2" fmla="val 20183"/>
-              <a:gd name="adj3" fmla="val 16667"/>
-            </a:avLst>
-          </a:prstGeom>
-          <a:solidFill>
-            <a:schemeClr val="bg1"/>
-          </a:solidFill>
-          <a:ln w="12700">
-            <a:solidFill>
-              <a:srgbClr val="FF0000"/>
-            </a:solidFill>
-          </a:ln>
-          <a:effectLst/>
-        </p:spPr>
-        <p:txBody>
-          <a:bodyPr rot="0" spcFirstLastPara="0" vertOverflow="overflow" horzOverflow="overflow" vert="horz" wrap="none" lIns="72000" tIns="72000" rIns="72000" bIns="72000" numCol="1" spcCol="0" rtlCol="0" fromWordArt="0" anchor="ctr" anchorCtr="0" forceAA="0" compatLnSpc="1">
-            <a:prstTxWarp prst="textNoShape">
-              <a:avLst/>
-            </a:prstTxWarp>
-            <a:noAutofit/>
-          </a:bodyPr>
-          <a:lstStyle/>
-          <a:p>
-            <a:pPr algn="ctr"/>
-            <a:endParaRPr kumimoji="1" lang="ja-JP" altLang="en-US" b="1" dirty="0" smtClean="0">
-              <a:latin typeface="+mn-ea"/>
-            </a:endParaRPr>
-          </a:p>
-        </p:txBody>
-      </p:sp>
-      <p:graphicFrame>
-        <p:nvGraphicFramePr>
-          <p:cNvPr id="9" name="表 8"/>
-          <p:cNvGraphicFramePr>
-            <a:graphicFrameLocks noGrp="1"/>
-          </p:cNvGraphicFramePr>
-          <p:nvPr>
-            <p:extLst>
-              <p:ext uri="{D42A27DB-BD31-4B8C-83A1-F6EECF244321}">
-                <p14:modId xmlns:p14="http://schemas.microsoft.com/office/powerpoint/2010/main" val="1694856700"/>
-              </p:ext>
-            </p:extLst>
-          </p:nvPr>
-        </p:nvGraphicFramePr>
-        <p:xfrm>
-          <a:off x="6977465" y="3090539"/>
-          <a:ext cx="1733491" cy="548640"/>
-        </p:xfrm>
-        <a:graphic>
-          <a:graphicData uri="http://schemas.openxmlformats.org/drawingml/2006/table">
-            <a:tbl>
-              <a:tblPr firstRow="1" bandRow="1">
-                <a:tableStyleId>{5C22544A-7EE6-4342-B048-85BDC9FD1C3A}</a:tableStyleId>
-              </a:tblPr>
-              <a:tblGrid>
-                <a:gridCol w="1733491">
-                  <a:extLst>
-                    <a:ext uri="{9D8B030D-6E8A-4147-A177-3AD203B41FA5}">
-                      <a16:colId xmlns:a16="http://schemas.microsoft.com/office/drawing/2014/main" val="2883640048"/>
-                    </a:ext>
-                  </a:extLst>
-                </a:gridCol>
-              </a:tblGrid>
-              <a:tr h="252247">
-                <a:tc>
-                  <a:txBody>
-                    <a:bodyPr/>
-                    <a:lstStyle/>
-                    <a:p>
-                      <a:pPr algn="ctr"/>
-                      <a:r>
-                        <a:rPr kumimoji="1" lang="en-US" altLang="ja-JP" sz="1200" dirty="0" smtClean="0">
-                          <a:solidFill>
-                            <a:schemeClr val="bg1"/>
-                          </a:solidFill>
-                          <a:latin typeface="+mn-lt"/>
-                        </a:rPr>
-                        <a:t>Repository name</a:t>
-                      </a:r>
-                      <a:endParaRPr kumimoji="1" lang="ja-JP" altLang="en-US" sz="1200" dirty="0" smtClean="0">
-                        <a:solidFill>
-                          <a:schemeClr val="bg1"/>
-                        </a:solidFill>
-                        <a:latin typeface="+mn-lt"/>
-                      </a:endParaRPr>
-                    </a:p>
-                  </a:txBody>
-                  <a:tcPr>
-                    <a:lnL w="12700" cap="flat" cmpd="sng" algn="ctr">
-                      <a:solidFill>
-                        <a:schemeClr val="bg1">
-                          <a:lumMod val="85000"/>
-                        </a:schemeClr>
-                      </a:solidFill>
-                      <a:prstDash val="solid"/>
-                      <a:round/>
-                      <a:headEnd type="none" w="med" len="med"/>
-                      <a:tailEnd type="none" w="med" len="med"/>
-                    </a:lnL>
-                    <a:lnR w="12700" cap="flat" cmpd="sng" algn="ctr">
-                      <a:solidFill>
-                        <a:schemeClr val="bg1">
-                          <a:lumMod val="85000"/>
-                        </a:schemeClr>
-                      </a:solidFill>
-                      <a:prstDash val="solid"/>
-                      <a:round/>
-                      <a:headEnd type="none" w="med" len="med"/>
-                      <a:tailEnd type="none" w="med" len="med"/>
-                    </a:lnR>
-                    <a:lnT w="12700" cap="flat" cmpd="sng" algn="ctr">
-                      <a:solidFill>
-                        <a:schemeClr val="bg1">
-                          <a:lumMod val="85000"/>
-                        </a:schemeClr>
-                      </a:solidFill>
-                      <a:prstDash val="solid"/>
-                      <a:round/>
-                      <a:headEnd type="none" w="med" len="med"/>
-                      <a:tailEnd type="none" w="med" len="med"/>
-                    </a:lnT>
-                    <a:lnB w="12700" cap="flat" cmpd="sng" algn="ctr">
-                      <a:solidFill>
-                        <a:schemeClr val="bg1">
-                          <a:lumMod val="85000"/>
-                        </a:schemeClr>
-                      </a:solidFill>
-                      <a:prstDash val="solid"/>
-                      <a:round/>
-                      <a:headEnd type="none" w="med" len="med"/>
-                      <a:tailEnd type="none" w="med" len="med"/>
-                    </a:lnB>
-                    <a:lnTlToBr w="12700" cmpd="sng">
-                      <a:noFill/>
-                      <a:prstDash val="solid"/>
-                    </a:lnTlToBr>
-                    <a:lnBlToTr w="12700" cmpd="sng">
-                      <a:noFill/>
-                      <a:prstDash val="solid"/>
-                    </a:lnBlToTr>
-                    <a:solidFill>
-                      <a:schemeClr val="accent6"/>
-                    </a:solidFill>
-                  </a:tcPr>
-                </a:tc>
-                <a:extLst>
-                  <a:ext uri="{0D108BD9-81ED-4DB2-BD59-A6C34878D82A}">
-                    <a16:rowId xmlns:a16="http://schemas.microsoft.com/office/drawing/2014/main" val="2458714703"/>
-                  </a:ext>
-                </a:extLst>
-              </a:tr>
-              <a:tr h="252247">
-                <a:tc>
-                  <a:txBody>
-                    <a:bodyPr/>
-                    <a:lstStyle/>
-                    <a:p>
-                      <a:pPr algn="ctr"/>
-                      <a:r>
-                        <a:rPr kumimoji="1" lang="en-US" altLang="ja-JP" sz="1200" b="0" dirty="0" smtClean="0">
-                          <a:solidFill>
-                            <a:schemeClr val="tx1"/>
-                          </a:solidFill>
-                          <a:latin typeface="+mn-lt"/>
-                        </a:rPr>
-                        <a:t>(Free name)</a:t>
-                      </a:r>
-                      <a:endParaRPr kumimoji="1" lang="ja-JP" altLang="en-US" sz="1200" b="0" dirty="0" smtClean="0">
-                        <a:solidFill>
-                          <a:schemeClr val="tx1"/>
-                        </a:solidFill>
-                        <a:latin typeface="+mn-lt"/>
-                      </a:endParaRPr>
-                    </a:p>
-                  </a:txBody>
-                  <a:tcPr>
-                    <a:lnL w="12700" cap="flat" cmpd="sng" algn="ctr">
-                      <a:solidFill>
-                        <a:schemeClr val="bg1">
-                          <a:lumMod val="85000"/>
-                        </a:schemeClr>
-                      </a:solidFill>
-                      <a:prstDash val="solid"/>
-                      <a:round/>
-                      <a:headEnd type="none" w="med" len="med"/>
-                      <a:tailEnd type="none" w="med" len="med"/>
-                    </a:lnL>
-                    <a:lnR w="12700" cap="flat" cmpd="sng" algn="ctr">
-                      <a:solidFill>
-                        <a:schemeClr val="bg1">
-                          <a:lumMod val="85000"/>
-                        </a:schemeClr>
-                      </a:solidFill>
-                      <a:prstDash val="solid"/>
-                      <a:round/>
-                      <a:headEnd type="none" w="med" len="med"/>
-                      <a:tailEnd type="none" w="med" len="med"/>
-                    </a:lnR>
-                    <a:lnT w="12700" cap="flat" cmpd="sng" algn="ctr">
-                      <a:solidFill>
-                        <a:schemeClr val="bg1">
-                          <a:lumMod val="85000"/>
-                        </a:schemeClr>
-                      </a:solidFill>
-                      <a:prstDash val="solid"/>
-                      <a:round/>
-                      <a:headEnd type="none" w="med" len="med"/>
-                      <a:tailEnd type="none" w="med" len="med"/>
-                    </a:lnT>
-                    <a:lnB w="12700" cap="flat" cmpd="sng" algn="ctr">
-                      <a:solidFill>
-                        <a:schemeClr val="bg1">
-                          <a:lumMod val="85000"/>
-                        </a:schemeClr>
-                      </a:solidFill>
-                      <a:prstDash val="solid"/>
-                      <a:round/>
-                      <a:headEnd type="none" w="med" len="med"/>
-                      <a:tailEnd type="none" w="med" len="med"/>
-                    </a:lnB>
-                    <a:lnTlToBr w="12700" cmpd="sng">
-                      <a:noFill/>
-                      <a:prstDash val="solid"/>
-                    </a:lnTlToBr>
-                    <a:lnBlToTr w="12700" cmpd="sng">
-                      <a:noFill/>
-                      <a:prstDash val="solid"/>
-                    </a:lnBlToTr>
-                    <a:solidFill>
-                      <a:schemeClr val="bg1"/>
-                    </a:solidFill>
-                  </a:tcPr>
-                </a:tc>
-                <a:extLst>
-                  <a:ext uri="{0D108BD9-81ED-4DB2-BD59-A6C34878D82A}">
-                    <a16:rowId xmlns:a16="http://schemas.microsoft.com/office/drawing/2014/main" val="4029950975"/>
-                  </a:ext>
-                </a:extLst>
-              </a:tr>
-            </a:tbl>
-          </a:graphicData>
-        </a:graphic>
-      </p:graphicFrame>
-      <p:sp>
-        <p:nvSpPr>
-          <p:cNvPr id="13" name="角丸四角形吹き出し 12"/>
-          <p:cNvSpPr/>
-          <p:nvPr/>
-        </p:nvSpPr>
-        <p:spPr bwMode="auto">
-          <a:xfrm>
-            <a:off x="387848" y="4345036"/>
-            <a:ext cx="1454366" cy="595941"/>
-          </a:xfrm>
-          <a:prstGeom prst="wedgeRoundRectCallout">
-            <a:avLst>
-              <a:gd name="adj1" fmla="val 75985"/>
-              <a:gd name="adj2" fmla="val -58304"/>
-              <a:gd name="adj3" fmla="val 16667"/>
-            </a:avLst>
-          </a:prstGeom>
-          <a:solidFill>
-            <a:schemeClr val="bg1"/>
-          </a:solidFill>
-          <a:ln w="12700">
-            <a:solidFill>
-              <a:srgbClr val="FF0000"/>
-            </a:solidFill>
-          </a:ln>
-          <a:effectLst/>
-        </p:spPr>
-        <p:txBody>
-          <a:bodyPr rot="0" spcFirstLastPara="0" vertOverflow="overflow" horzOverflow="overflow" vert="horz" wrap="none" lIns="72000" tIns="72000" rIns="72000" bIns="72000" numCol="1" spcCol="0" rtlCol="0" fromWordArt="0" anchor="ctr" anchorCtr="0" forceAA="0" compatLnSpc="1">
-            <a:prstTxWarp prst="textNoShape">
-              <a:avLst/>
-            </a:prstTxWarp>
-            <a:noAutofit/>
-          </a:bodyPr>
-          <a:lstStyle/>
-          <a:p>
-            <a:pPr algn="ctr"/>
-            <a:r>
-              <a:rPr kumimoji="1" lang="en-US" altLang="ja-JP" sz="1600" dirty="0" smtClean="0">
-                <a:latin typeface="+mn-ea"/>
-              </a:rPr>
-              <a:t>Select Public</a:t>
-            </a:r>
-            <a:endParaRPr kumimoji="1" lang="ja-JP" altLang="en-US" sz="1600" dirty="0" smtClean="0">
-              <a:latin typeface="+mn-ea"/>
-            </a:endParaRPr>
-          </a:p>
-        </p:txBody>
-      </p:sp>
-      <p:sp>
-        <p:nvSpPr>
           <p:cNvPr id="15" name="角丸四角形 14"/>
           <p:cNvSpPr/>
           <p:nvPr/>
@@ -18360,6 +18348,161 @@
           <a:p>
             <a:pPr algn="ctr"/>
             <a:endParaRPr kumimoji="1" lang="ja-JP" altLang="en-US" b="1" dirty="0" smtClean="0">
+              <a:latin typeface="+mn-ea"/>
+            </a:endParaRPr>
+          </a:p>
+        </p:txBody>
+      </p:sp>
+      <p:sp>
+        <p:nvSpPr>
+          <p:cNvPr id="12" name="線吹き出し 1 (枠付き) 11"/>
+          <p:cNvSpPr/>
+          <p:nvPr/>
+        </p:nvSpPr>
+        <p:spPr bwMode="auto">
+          <a:xfrm>
+            <a:off x="6841886" y="5902743"/>
+            <a:ext cx="2050713" cy="550445"/>
+          </a:xfrm>
+          <a:prstGeom prst="borderCallout1">
+            <a:avLst>
+              <a:gd name="adj1" fmla="val 66218"/>
+              <a:gd name="adj2" fmla="val -160460"/>
+              <a:gd name="adj3" fmla="val 66783"/>
+              <a:gd name="adj4" fmla="val -227"/>
+            </a:avLst>
+          </a:prstGeom>
+          <a:noFill/>
+          <a:ln w="28575">
+            <a:solidFill>
+              <a:srgbClr val="FF0000"/>
+            </a:solidFill>
+          </a:ln>
+          <a:effectLst/>
+        </p:spPr>
+        <p:txBody>
+          <a:bodyPr rot="0" spcFirstLastPara="0" vertOverflow="overflow" horzOverflow="overflow" vert="horz" wrap="none" lIns="72000" tIns="72000" rIns="72000" bIns="72000" numCol="1" spcCol="0" rtlCol="0" fromWordArt="0" anchor="ctr" anchorCtr="0" forceAA="0" compatLnSpc="1">
+            <a:prstTxWarp prst="textNoShape">
+              <a:avLst/>
+            </a:prstTxWarp>
+            <a:noAutofit/>
+          </a:bodyPr>
+          <a:lstStyle/>
+          <a:p>
+            <a:r>
+              <a:rPr lang="en-US" altLang="ja-JP" sz="1600" dirty="0" smtClean="0">
+                <a:latin typeface="+mn-ea"/>
+              </a:rPr>
+              <a:t>Click </a:t>
+            </a:r>
+            <a:br>
+              <a:rPr lang="en-US" altLang="ja-JP" sz="1600" dirty="0" smtClean="0">
+                <a:latin typeface="+mn-ea"/>
+              </a:rPr>
+            </a:br>
+            <a:r>
+              <a:rPr lang="en-US" altLang="ja-JP" sz="1600" dirty="0" smtClean="0">
+                <a:latin typeface="+mn-ea"/>
+              </a:rPr>
+              <a:t>“Create repository”</a:t>
+            </a:r>
+            <a:endParaRPr kumimoji="1" lang="ja-JP" altLang="en-US" sz="1600" dirty="0" smtClean="0">
+              <a:latin typeface="+mn-ea"/>
+            </a:endParaRPr>
+          </a:p>
+        </p:txBody>
+      </p:sp>
+      <p:sp>
+        <p:nvSpPr>
+          <p:cNvPr id="14" name="線吹き出し 1 (枠付き) 13"/>
+          <p:cNvSpPr/>
+          <p:nvPr/>
+        </p:nvSpPr>
+        <p:spPr bwMode="auto">
+          <a:xfrm>
+            <a:off x="6841886" y="3052026"/>
+            <a:ext cx="2050713" cy="550445"/>
+          </a:xfrm>
+          <a:prstGeom prst="borderCallout1">
+            <a:avLst>
+              <a:gd name="adj1" fmla="val 66218"/>
+              <a:gd name="adj2" fmla="val -85362"/>
+              <a:gd name="adj3" fmla="val 66783"/>
+              <a:gd name="adj4" fmla="val -227"/>
+            </a:avLst>
+          </a:prstGeom>
+          <a:noFill/>
+          <a:ln w="28575">
+            <a:solidFill>
+              <a:srgbClr val="FF0000"/>
+            </a:solidFill>
+          </a:ln>
+          <a:effectLst/>
+        </p:spPr>
+        <p:txBody>
+          <a:bodyPr rot="0" spcFirstLastPara="0" vertOverflow="overflow" horzOverflow="overflow" vert="horz" wrap="none" lIns="72000" tIns="72000" rIns="72000" bIns="72000" numCol="1" spcCol="0" rtlCol="0" fromWordArt="0" anchor="ctr" anchorCtr="0" forceAA="0" compatLnSpc="1">
+            <a:prstTxWarp prst="textNoShape">
+              <a:avLst/>
+            </a:prstTxWarp>
+            <a:noAutofit/>
+          </a:bodyPr>
+          <a:lstStyle/>
+          <a:p>
+            <a:r>
+              <a:rPr lang="en-US" altLang="ja-JP" sz="1600" dirty="0" smtClean="0">
+                <a:latin typeface="+mn-ea"/>
+              </a:rPr>
+              <a:t>Input a name</a:t>
+            </a:r>
+            <a:endParaRPr kumimoji="1" lang="ja-JP" altLang="en-US" sz="1600" dirty="0" smtClean="0">
+              <a:latin typeface="+mn-ea"/>
+            </a:endParaRPr>
+          </a:p>
+        </p:txBody>
+      </p:sp>
+      <p:sp>
+        <p:nvSpPr>
+          <p:cNvPr id="19" name="線吹き出し 1 (枠付き) 18"/>
+          <p:cNvSpPr/>
+          <p:nvPr/>
+        </p:nvSpPr>
+        <p:spPr bwMode="auto">
+          <a:xfrm>
+            <a:off x="251400" y="4041804"/>
+            <a:ext cx="2050713" cy="550445"/>
+          </a:xfrm>
+          <a:prstGeom prst="borderCallout1">
+            <a:avLst>
+              <a:gd name="adj1" fmla="val 60972"/>
+              <a:gd name="adj2" fmla="val 112239"/>
+              <a:gd name="adj3" fmla="val 60663"/>
+              <a:gd name="adj4" fmla="val 100216"/>
+            </a:avLst>
+          </a:prstGeom>
+          <a:noFill/>
+          <a:ln w="28575">
+            <a:solidFill>
+              <a:srgbClr val="FF0000"/>
+            </a:solidFill>
+          </a:ln>
+          <a:effectLst/>
+        </p:spPr>
+        <p:txBody>
+          <a:bodyPr rot="0" spcFirstLastPara="0" vertOverflow="overflow" horzOverflow="overflow" vert="horz" wrap="none" lIns="72000" tIns="72000" rIns="72000" bIns="72000" numCol="1" spcCol="0" rtlCol="0" fromWordArt="0" anchor="ctr" anchorCtr="0" forceAA="0" compatLnSpc="1">
+            <a:prstTxWarp prst="textNoShape">
+              <a:avLst/>
+            </a:prstTxWarp>
+            <a:noAutofit/>
+          </a:bodyPr>
+          <a:lstStyle/>
+          <a:p>
+            <a:r>
+              <a:rPr lang="en-US" altLang="ja-JP" sz="1600" dirty="0" smtClean="0">
+                <a:latin typeface="+mn-ea"/>
+              </a:rPr>
+              <a:t>Select “Public”</a:t>
+            </a:r>
+            <a:endParaRPr kumimoji="1" lang="ja-JP" altLang="en-US" sz="1600" dirty="0" smtClean="0">
               <a:latin typeface="+mn-ea"/>
             </a:endParaRPr>
           </a:p>
@@ -19288,21 +19431,72 @@
             <a:pPr lvl="1"/>
             <a:r>
               <a:rPr lang="en-US" altLang="ja-JP" dirty="0" smtClean="0"/>
-              <a:t>Upload the Playbook to GitHub.</a:t>
-            </a:r>
-          </a:p>
-          <a:p>
-            <a:pPr marL="180000" lvl="1" indent="0">
-              <a:buNone/>
-            </a:pPr>
+              <a:t>Upload the Playbook to GitHub</a:t>
+            </a:r>
+            <a:r>
+              <a:rPr lang="en-US" altLang="ja-JP" dirty="0" smtClean="0"/>
+              <a:t>.</a:t>
+            </a:r>
+            <a:r>
+              <a:rPr lang="ja-JP" altLang="en-US" dirty="0"/>
+              <a:t> </a:t>
+            </a:r>
+            <a:r>
+              <a:rPr lang="en-US" altLang="ja-JP" dirty="0" smtClean="0"/>
+              <a:t/>
+            </a:r>
+            <a:br>
+              <a:rPr lang="en-US" altLang="ja-JP" dirty="0" smtClean="0"/>
+            </a:br>
             <a:r>
               <a:rPr lang="ja-JP" altLang="en-US" dirty="0" smtClean="0"/>
-              <a:t>　</a:t>
+              <a:t>① </a:t>
             </a:r>
             <a:r>
               <a:rPr lang="en-US" altLang="ja-JP" dirty="0" smtClean="0"/>
-              <a:t>From the “Code” tab, click “Create a new file” and paste the contents of the playbook from the previous slide. Scroll down to the bottom of the page and press “Commit new file”.</a:t>
-            </a:r>
+              <a:t>Press the “Code” tab and click “Creating a new file”</a:t>
+            </a:r>
+            <a:r>
+              <a:rPr lang="en-US" altLang="ja-JP" dirty="0"/>
+              <a:t/>
+            </a:r>
+            <a:br>
+              <a:rPr lang="en-US" altLang="ja-JP" dirty="0"/>
+            </a:br>
+            <a:r>
+              <a:rPr lang="ja-JP" altLang="en-US" dirty="0"/>
+              <a:t>② </a:t>
+            </a:r>
+            <a:r>
+              <a:rPr lang="en-US" altLang="ja-JP" dirty="0" smtClean="0"/>
+              <a:t>Edit a new file and input the contents and name from </a:t>
+            </a:r>
+            <a:r>
+              <a:rPr lang="en-US" altLang="ja-JP" dirty="0" smtClean="0">
+                <a:hlinkClick r:id="rId2" action="ppaction://hlinksldjump"/>
+              </a:rPr>
+              <a:t>the previous slide.</a:t>
+            </a:r>
+            <a:r>
+              <a:rPr lang="en-US" altLang="ja-JP" dirty="0"/>
+              <a:t/>
+            </a:r>
+            <a:br>
+              <a:rPr lang="en-US" altLang="ja-JP" dirty="0"/>
+            </a:br>
+            <a:r>
+              <a:rPr lang="ja-JP" altLang="en-US" dirty="0"/>
+              <a:t>③ </a:t>
+            </a:r>
+            <a:r>
+              <a:rPr lang="en-US" altLang="ja-JP" dirty="0" smtClean="0"/>
+              <a:t>Press “Commit new file”.</a:t>
+            </a:r>
+            <a:endParaRPr lang="en-US" altLang="ja-JP" dirty="0"/>
+          </a:p>
+          <a:p>
+            <a:pPr lvl="1"/>
+            <a:endParaRPr lang="en-US" altLang="ja-JP" dirty="0" smtClean="0"/>
           </a:p>
         </p:txBody>
       </p:sp>
@@ -19315,7 +19509,7 @@
           <p:nvPr/>
         </p:nvPicPr>
         <p:blipFill rotWithShape="1">
-          <a:blip r:embed="rId2"/>
+          <a:blip r:embed="rId3"/>
           <a:srcRect r="35154"/>
           <a:stretch/>
         </p:blipFill>
@@ -19382,7 +19576,7 @@
           <p:nvPr/>
         </p:nvPicPr>
         <p:blipFill rotWithShape="1">
-          <a:blip r:embed="rId3"/>
+          <a:blip r:embed="rId4"/>
           <a:srcRect r="67159"/>
           <a:stretch/>
         </p:blipFill>
@@ -19405,7 +19599,7 @@
           <p:nvPr/>
         </p:nvPicPr>
         <p:blipFill rotWithShape="1">
-          <a:blip r:embed="rId4"/>
+          <a:blip r:embed="rId5"/>
           <a:srcRect r="65682"/>
           <a:stretch/>
         </p:blipFill>
